--- a/Assets/如何使用VisualNovelEngine.pptx
+++ b/Assets/如何使用VisualNovelEngine.pptx
@@ -5,11 +5,16 @@
     <p:sldMasterId id="2147483684" r:id="rId1"/>
   </p:sldMasterIdLst>
   <p:notesMasterIdLst>
-    <p:notesMasterId r:id="rId4"/>
+    <p:notesMasterId r:id="rId9"/>
   </p:notesMasterIdLst>
   <p:sldIdLst>
     <p:sldId id="256" r:id="rId2"/>
     <p:sldId id="257" r:id="rId3"/>
+    <p:sldId id="258" r:id="rId4"/>
+    <p:sldId id="259" r:id="rId5"/>
+    <p:sldId id="260" r:id="rId6"/>
+    <p:sldId id="262" r:id="rId7"/>
+    <p:sldId id="261" r:id="rId8"/>
   </p:sldIdLst>
   <p:sldSz cx="6858000" cy="9906000" type="A4"/>
   <p:notesSz cx="6858000" cy="9144000"/>
@@ -108,6 +113,14 @@
       </a:defRPr>
     </a:lvl9pPr>
   </p:defaultTextStyle>
+  <p:extLst>
+    <p:ext uri="{EFAFB233-063F-42B5-8137-9DF3F51BA10A}">
+      <p15:sldGuideLst xmlns:p15="http://schemas.microsoft.com/office/powerpoint/2012/main"/>
+    </p:ext>
+    <p:ext uri="{2D200454-40CA-4A62-9FC3-DE9A4176ACB9}">
+      <p15:notesGuideLst xmlns:p15="http://schemas.microsoft.com/office/powerpoint/2012/main"/>
+    </p:ext>
+  </p:extLst>
 </p:presentation>
 </file>
 
@@ -193,7 +206,7 @@
           <a:p>
             <a:fld id="{7F62DCB3-1A0C-4ACB-9CD7-5AF541F2CB32}" type="datetimeFigureOut">
               <a:rPr kumimoji="1" lang="ja-JP" altLang="en-US" smtClean="0"/>
-              <a:t>2024/7/8</a:t>
+              <a:t>2024/7/9</a:t>
             </a:fld>
             <a:endParaRPr kumimoji="1" lang="ja-JP" altLang="en-US"/>
           </a:p>
@@ -750,7 +763,7 @@
           <a:p>
             <a:fld id="{0E167EEF-F27F-4AAE-94C8-F79ACA8891EE}" type="datetimeFigureOut">
               <a:rPr kumimoji="1" lang="ja-JP" altLang="en-US" smtClean="0"/>
-              <a:t>2024/7/8</a:t>
+              <a:t>2024/7/9</a:t>
             </a:fld>
             <a:endParaRPr kumimoji="1" lang="ja-JP" altLang="en-US"/>
           </a:p>
@@ -1112,7 +1125,7 @@
           <a:p>
             <a:fld id="{0E167EEF-F27F-4AAE-94C8-F79ACA8891EE}" type="datetimeFigureOut">
               <a:rPr kumimoji="1" lang="ja-JP" altLang="en-US" smtClean="0"/>
-              <a:t>2024/7/8</a:t>
+              <a:t>2024/7/9</a:t>
             </a:fld>
             <a:endParaRPr kumimoji="1" lang="ja-JP" altLang="en-US"/>
           </a:p>
@@ -1324,7 +1337,7 @@
           <a:p>
             <a:fld id="{0E167EEF-F27F-4AAE-94C8-F79ACA8891EE}" type="datetimeFigureOut">
               <a:rPr kumimoji="1" lang="ja-JP" altLang="en-US" smtClean="0"/>
-              <a:t>2024/7/8</a:t>
+              <a:t>2024/7/9</a:t>
             </a:fld>
             <a:endParaRPr kumimoji="1" lang="ja-JP" altLang="en-US"/>
           </a:p>
@@ -1526,7 +1539,7 @@
           <a:p>
             <a:fld id="{0E167EEF-F27F-4AAE-94C8-F79ACA8891EE}" type="datetimeFigureOut">
               <a:rPr kumimoji="1" lang="ja-JP" altLang="en-US" smtClean="0"/>
-              <a:t>2024/7/8</a:t>
+              <a:t>2024/7/9</a:t>
             </a:fld>
             <a:endParaRPr kumimoji="1" lang="ja-JP" altLang="en-US"/>
           </a:p>
@@ -1803,7 +1816,7 @@
           <a:p>
             <a:fld id="{0E167EEF-F27F-4AAE-94C8-F79ACA8891EE}" type="datetimeFigureOut">
               <a:rPr kumimoji="1" lang="ja-JP" altLang="en-US" smtClean="0"/>
-              <a:t>2024/7/8</a:t>
+              <a:t>2024/7/9</a:t>
             </a:fld>
             <a:endParaRPr kumimoji="1" lang="ja-JP" altLang="en-US"/>
           </a:p>
@@ -2317,7 +2330,7 @@
           <a:p>
             <a:fld id="{0E167EEF-F27F-4AAE-94C8-F79ACA8891EE}" type="datetimeFigureOut">
               <a:rPr kumimoji="1" lang="ja-JP" altLang="en-US" smtClean="0"/>
-              <a:t>2024/7/8</a:t>
+              <a:t>2024/7/9</a:t>
             </a:fld>
             <a:endParaRPr kumimoji="1" lang="ja-JP" altLang="en-US"/>
           </a:p>
@@ -2858,7 +2871,7 @@
           <a:p>
             <a:fld id="{0E167EEF-F27F-4AAE-94C8-F79ACA8891EE}" type="datetimeFigureOut">
               <a:rPr kumimoji="1" lang="ja-JP" altLang="en-US" smtClean="0"/>
-              <a:t>2024/7/8</a:t>
+              <a:t>2024/7/9</a:t>
             </a:fld>
             <a:endParaRPr kumimoji="1" lang="ja-JP" altLang="en-US"/>
           </a:p>
@@ -2976,7 +2989,7 @@
           <a:p>
             <a:fld id="{0E167EEF-F27F-4AAE-94C8-F79ACA8891EE}" type="datetimeFigureOut">
               <a:rPr kumimoji="1" lang="ja-JP" altLang="en-US" smtClean="0"/>
-              <a:t>2024/7/8</a:t>
+              <a:t>2024/7/9</a:t>
             </a:fld>
             <a:endParaRPr kumimoji="1" lang="ja-JP" altLang="en-US"/>
           </a:p>
@@ -3071,7 +3084,7 @@
           <a:p>
             <a:fld id="{0E167EEF-F27F-4AAE-94C8-F79ACA8891EE}" type="datetimeFigureOut">
               <a:rPr kumimoji="1" lang="ja-JP" altLang="en-US" smtClean="0"/>
-              <a:t>2024/7/8</a:t>
+              <a:t>2024/7/9</a:t>
             </a:fld>
             <a:endParaRPr kumimoji="1" lang="ja-JP" altLang="en-US"/>
           </a:p>
@@ -3451,7 +3464,7 @@
           <a:p>
             <a:fld id="{0E167EEF-F27F-4AAE-94C8-F79ACA8891EE}" type="datetimeFigureOut">
               <a:rPr kumimoji="1" lang="ja-JP" altLang="en-US" smtClean="0"/>
-              <a:t>2024/7/8</a:t>
+              <a:t>2024/7/9</a:t>
             </a:fld>
             <a:endParaRPr kumimoji="1" lang="ja-JP" altLang="en-US"/>
           </a:p>
@@ -3879,7 +3892,7 @@
           <a:p>
             <a:fld id="{0E167EEF-F27F-4AAE-94C8-F79ACA8891EE}" type="datetimeFigureOut">
               <a:rPr kumimoji="1" lang="ja-JP" altLang="en-US" smtClean="0"/>
-              <a:t>2024/7/8</a:t>
+              <a:t>2024/7/9</a:t>
             </a:fld>
             <a:endParaRPr kumimoji="1" lang="ja-JP" altLang="en-US"/>
           </a:p>
@@ -4227,7 +4240,7 @@
           <a:p>
             <a:fld id="{0E167EEF-F27F-4AAE-94C8-F79ACA8891EE}" type="datetimeFigureOut">
               <a:rPr kumimoji="1" lang="ja-JP" altLang="en-US" smtClean="0"/>
-              <a:t>2024/7/8</a:t>
+              <a:t>2024/7/9</a:t>
             </a:fld>
             <a:endParaRPr kumimoji="1" lang="ja-JP" altLang="en-US"/>
           </a:p>
@@ -4814,12 +4827,16 @@
           <a:lstStyle/>
           <a:p>
             <a:r>
-              <a:rPr kumimoji="1" lang="en-US" altLang="zh-CN" dirty="0" err="1"/>
-              <a:t>VisualNovelEngine</a:t>
-            </a:r>
-            <a:r>
               <a:rPr kumimoji="1" lang="en-US" altLang="zh-CN" dirty="0"/>
-              <a:t>-</a:t>
+              <a:t>V</a:t>
+            </a:r>
+            <a:r>
+              <a:rPr lang="en-US" altLang="zh-CN" dirty="0"/>
+              <a:t>ISUAL </a:t>
+            </a:r>
+            <a:r>
+              <a:rPr kumimoji="1" lang="en-US" altLang="zh-CN" dirty="0"/>
+              <a:t>Novel Engine</a:t>
             </a:r>
             <a:br>
               <a:rPr kumimoji="1" lang="en-US" altLang="zh-CN" dirty="0"/>
@@ -4888,22 +4905,16 @@
         </p:nvSpPr>
         <p:spPr/>
         <p:txBody>
-          <a:bodyPr/>
+          <a:bodyPr>
+            <a:normAutofit/>
+          </a:bodyPr>
           <a:lstStyle/>
           <a:p>
             <a:r>
-              <a:rPr kumimoji="1" lang="zh-CN" altLang="en-US" dirty="0"/>
-              <a:t>首先，你需要知道</a:t>
-            </a:r>
-            <a:r>
-              <a:rPr kumimoji="1" lang="en-US" altLang="zh-CN" dirty="0" err="1"/>
-              <a:t>VNEngine</a:t>
-            </a:r>
-            <a:r>
-              <a:rPr kumimoji="1" lang="zh-CN" altLang="en-US" dirty="0"/>
-              <a:t>的操作窗口</a:t>
-            </a:r>
-            <a:endParaRPr kumimoji="1" lang="ja-JP" altLang="en-US" dirty="0"/>
+              <a:rPr lang="zh-CN" altLang="en-US" sz="4400" dirty="0"/>
+              <a:t>目录</a:t>
+            </a:r>
+            <a:endParaRPr kumimoji="1" lang="ja-JP" altLang="en-US" sz="4400" dirty="0"/>
           </a:p>
         </p:txBody>
       </p:sp>
@@ -4928,16 +4939,1467 @@
           <a:bodyPr/>
           <a:lstStyle/>
           <a:p>
+            <a:r>
+              <a:rPr kumimoji="1" lang="zh-CN" altLang="en-US" sz="1800" dirty="0"/>
+              <a:t>基本逻辑</a:t>
+            </a:r>
+            <a:endParaRPr kumimoji="1" lang="en-US" altLang="zh-CN" sz="1800" dirty="0"/>
+          </a:p>
+          <a:p>
+            <a:pPr lvl="1"/>
+            <a:r>
+              <a:rPr lang="zh-CN" altLang="en-US" sz="1800" dirty="0"/>
+              <a:t>基础设定</a:t>
+            </a:r>
+            <a:endParaRPr lang="en-US" altLang="zh-CN" sz="1800" dirty="0"/>
+          </a:p>
+          <a:p>
+            <a:pPr lvl="1"/>
+            <a:r>
+              <a:rPr lang="en-US" altLang="zh-CN" sz="1800" dirty="0" err="1"/>
+              <a:t>DialogueCanvas</a:t>
+            </a:r>
+            <a:r>
+              <a:rPr lang="zh-CN" altLang="en-US" sz="1800" dirty="0"/>
+              <a:t>与</a:t>
+            </a:r>
+            <a:r>
+              <a:rPr kumimoji="1" lang="en-US" altLang="zh-CN" sz="1800" dirty="0"/>
+              <a:t>Conversations</a:t>
+            </a:r>
+          </a:p>
+          <a:p>
+            <a:pPr lvl="1"/>
+            <a:r>
+              <a:rPr lang="en-US" altLang="zh-CN" sz="1800" dirty="0" err="1"/>
+              <a:t>DIalogues</a:t>
+            </a:r>
+            <a:endParaRPr lang="en-US" altLang="zh-CN" sz="1800" dirty="0"/>
+          </a:p>
+          <a:p>
+            <a:pPr lvl="1"/>
+            <a:r>
+              <a:rPr kumimoji="1" lang="en-US" altLang="zh-CN" sz="1800" dirty="0"/>
+              <a:t>Actor</a:t>
+            </a:r>
+          </a:p>
+          <a:p>
+            <a:r>
+              <a:rPr lang="en-US" altLang="zh-CN" sz="1800" dirty="0"/>
+              <a:t>txt</a:t>
+            </a:r>
+            <a:r>
+              <a:rPr lang="zh-CN" altLang="en-US" sz="1800" dirty="0"/>
+              <a:t>文件与</a:t>
+            </a:r>
+            <a:r>
+              <a:rPr lang="en-US" altLang="zh-CN" sz="1800" dirty="0"/>
+              <a:t>Conversations</a:t>
+            </a:r>
+          </a:p>
+          <a:p>
+            <a:r>
+              <a:rPr lang="zh-CN" altLang="en-US" sz="1800" dirty="0"/>
+              <a:t>选项</a:t>
+            </a:r>
+            <a:endParaRPr lang="en-US" altLang="zh-CN" sz="1800" dirty="0"/>
+          </a:p>
+          <a:p>
+            <a:r>
+              <a:rPr lang="zh-CN" altLang="en-US" sz="1800" dirty="0"/>
+              <a:t>参数</a:t>
+            </a:r>
+            <a:endParaRPr lang="en-US" altLang="zh-CN" sz="1800" dirty="0"/>
+          </a:p>
+          <a:p>
+            <a:endParaRPr lang="ja-JP" altLang="en-US" sz="1800" dirty="0"/>
+          </a:p>
+        </p:txBody>
+      </p:sp>
+    </p:spTree>
+    <p:extLst>
+      <p:ext uri="{BB962C8B-B14F-4D97-AF65-F5344CB8AC3E}">
+        <p14:creationId xmlns:p14="http://schemas.microsoft.com/office/powerpoint/2010/main" val="1858927895"/>
+      </p:ext>
+    </p:extLst>
+  </p:cSld>
+  <p:clrMapOvr>
+    <a:masterClrMapping/>
+  </p:clrMapOvr>
+</p:sld>
+</file>
+
+<file path=ppt/slides/slide3.xml><?xml version="1.0" encoding="utf-8"?>
+<p:sld xmlns:a="http://schemas.openxmlformats.org/drawingml/2006/main" xmlns:r="http://schemas.openxmlformats.org/officeDocument/2006/relationships" xmlns:p="http://schemas.openxmlformats.org/presentationml/2006/main">
+  <p:cSld>
+    <p:spTree>
+      <p:nvGrpSpPr>
+        <p:cNvPr id="1" name=""/>
+        <p:cNvGrpSpPr/>
+        <p:nvPr/>
+      </p:nvGrpSpPr>
+      <p:grpSpPr>
+        <a:xfrm>
+          <a:off x="0" y="0"/>
+          <a:ext cx="0" cy="0"/>
+          <a:chOff x="0" y="0"/>
+          <a:chExt cx="0" cy="0"/>
+        </a:xfrm>
+      </p:grpSpPr>
+      <p:sp>
+        <p:nvSpPr>
+          <p:cNvPr id="2" name="タイトル 1">
+            <a:extLst>
+              <a:ext uri="{FF2B5EF4-FFF2-40B4-BE49-F238E27FC236}">
+                <a16:creationId xmlns:a16="http://schemas.microsoft.com/office/drawing/2014/main" id="{D969D0B6-DB48-9613-8FCF-411045116D90}"/>
+              </a:ext>
+            </a:extLst>
+          </p:cNvPr>
+          <p:cNvSpPr>
+            <a:spLocks noGrp="1"/>
+          </p:cNvSpPr>
+          <p:nvPr>
+            <p:ph type="title"/>
+          </p:nvPr>
+        </p:nvSpPr>
+        <p:spPr>
+          <a:xfrm>
+            <a:off x="728662" y="982980"/>
+            <a:ext cx="5400675" cy="646331"/>
+          </a:xfrm>
+        </p:spPr>
+        <p:txBody>
+          <a:bodyPr>
+            <a:normAutofit fontScale="90000"/>
+          </a:bodyPr>
+          <a:lstStyle/>
+          <a:p>
+            <a:r>
+              <a:rPr kumimoji="1" lang="zh-CN" altLang="en-US" dirty="0"/>
+              <a:t>基本逻辑</a:t>
+            </a:r>
+            <a:br>
+              <a:rPr kumimoji="1" lang="en-US" altLang="zh-CN" dirty="0"/>
+            </a:br>
+            <a:r>
+              <a:rPr kumimoji="1" lang="en-US" altLang="zh-CN" sz="2000" dirty="0"/>
+              <a:t>-</a:t>
+            </a:r>
+            <a:r>
+              <a:rPr kumimoji="1" lang="zh-CN" altLang="en-US" sz="2000" dirty="0"/>
+              <a:t>基础设定</a:t>
+            </a:r>
             <a:endParaRPr kumimoji="1" lang="ja-JP" altLang="en-US" dirty="0"/>
           </a:p>
         </p:txBody>
       </p:sp>
       <p:pic>
         <p:nvPicPr>
-          <p:cNvPr id="5" name="図 4">
+          <p:cNvPr id="5" name="コンテンツ プレースホルダー 4">
             <a:extLst>
               <a:ext uri="{FF2B5EF4-FFF2-40B4-BE49-F238E27FC236}">
-                <a16:creationId xmlns:a16="http://schemas.microsoft.com/office/drawing/2014/main" id="{529F8A53-8FA7-E30A-BFEA-05D89CC3C246}"/>
+                <a16:creationId xmlns:a16="http://schemas.microsoft.com/office/drawing/2014/main" id="{616D0F62-9928-E74E-B45C-3A2BE43971AE}"/>
+              </a:ext>
+            </a:extLst>
+          </p:cNvPr>
+          <p:cNvPicPr>
+            <a:picLocks noGrp="1" noChangeAspect="1"/>
+          </p:cNvPicPr>
+          <p:nvPr>
+            <p:ph idx="1"/>
+          </p:nvPr>
+        </p:nvPicPr>
+        <p:blipFill rotWithShape="1">
+          <a:blip r:embed="rId2"/>
+          <a:srcRect l="2964" t="2682" r="4917" b="24803"/>
+          <a:stretch/>
+        </p:blipFill>
+        <p:spPr>
+          <a:xfrm>
+            <a:off x="4655820" y="2301240"/>
+            <a:ext cx="2141220" cy="2735580"/>
+          </a:xfrm>
+        </p:spPr>
+      </p:pic>
+      <p:sp>
+        <p:nvSpPr>
+          <p:cNvPr id="6" name="テキスト ボックス 5">
+            <a:extLst>
+              <a:ext uri="{FF2B5EF4-FFF2-40B4-BE49-F238E27FC236}">
+                <a16:creationId xmlns:a16="http://schemas.microsoft.com/office/drawing/2014/main" id="{2A99C11F-F1BB-7D1E-1A6D-4404AC82AB1E}"/>
+              </a:ext>
+            </a:extLst>
+          </p:cNvPr>
+          <p:cNvSpPr txBox="1"/>
+          <p:nvPr/>
+        </p:nvSpPr>
+        <p:spPr>
+          <a:xfrm>
+            <a:off x="358140" y="1683838"/>
+            <a:ext cx="5553075" cy="7017306"/>
+          </a:xfrm>
+          <a:prstGeom prst="rect">
+            <a:avLst/>
+          </a:prstGeom>
+          <a:noFill/>
+        </p:spPr>
+        <p:txBody>
+          <a:bodyPr wrap="square" rtlCol="0">
+            <a:spAutoFit/>
+          </a:bodyPr>
+          <a:lstStyle/>
+          <a:p>
+            <a:r>
+              <a:rPr kumimoji="1" lang="zh-CN" altLang="en-US" dirty="0"/>
+              <a:t>    </a:t>
+            </a:r>
+            <a:endParaRPr kumimoji="1" lang="en-US" altLang="zh-CN" dirty="0"/>
+          </a:p>
+          <a:p>
+            <a:r>
+              <a:rPr kumimoji="1" lang="en-US" altLang="zh-CN" dirty="0"/>
+              <a:t>    </a:t>
+            </a:r>
+            <a:r>
+              <a:rPr kumimoji="1" lang="zh-CN" altLang="en-US" dirty="0"/>
+              <a:t>在</a:t>
+            </a:r>
+            <a:r>
+              <a:rPr kumimoji="1" lang="en-US" altLang="zh-CN" dirty="0"/>
+              <a:t>Inspector</a:t>
+            </a:r>
+            <a:r>
+              <a:rPr kumimoji="1" lang="zh-CN" altLang="en-US" dirty="0"/>
+              <a:t>中右键可以选择</a:t>
+            </a:r>
+            <a:r>
+              <a:rPr kumimoji="1" lang="en-US" altLang="zh-CN" dirty="0"/>
+              <a:t>VN Engine</a:t>
+            </a:r>
+          </a:p>
+          <a:p>
+            <a:r>
+              <a:rPr kumimoji="1" lang="zh-CN" altLang="en-US" dirty="0"/>
+              <a:t>并新建出你想要的项目</a:t>
+            </a:r>
+            <a:endParaRPr kumimoji="1" lang="en-US" altLang="zh-CN" dirty="0"/>
+          </a:p>
+          <a:p>
+            <a:endParaRPr kumimoji="1" lang="en-US" altLang="zh-CN" dirty="0"/>
+          </a:p>
+          <a:p>
+            <a:r>
+              <a:rPr kumimoji="1" lang="en-US" altLang="ja-JP" dirty="0"/>
+              <a:t>   </a:t>
+            </a:r>
+            <a:r>
+              <a:rPr kumimoji="1" lang="zh-CN" altLang="en-US" dirty="0"/>
+              <a:t>所有的对于该引擎的操作都在“</a:t>
+            </a:r>
+            <a:r>
+              <a:rPr kumimoji="1" lang="en-US" altLang="zh-CN" dirty="0"/>
+              <a:t>Dialogue</a:t>
+            </a:r>
+          </a:p>
+          <a:p>
+            <a:r>
+              <a:rPr kumimoji="1" lang="en-US" altLang="zh-CN" dirty="0" err="1"/>
+              <a:t>Canavas</a:t>
+            </a:r>
+            <a:r>
+              <a:rPr kumimoji="1" lang="zh-CN" altLang="en-US" dirty="0"/>
+              <a:t>”中，所以当一个场景里没有该</a:t>
+            </a:r>
+            <a:endParaRPr kumimoji="1" lang="en-US" altLang="zh-CN" dirty="0"/>
+          </a:p>
+          <a:p>
+            <a:r>
+              <a:rPr kumimoji="1" lang="en-US" altLang="zh-CN" dirty="0" err="1"/>
+              <a:t>Canavas</a:t>
+            </a:r>
+            <a:r>
+              <a:rPr kumimoji="1" lang="zh-CN" altLang="en-US" dirty="0"/>
+              <a:t>的时候，你需要首先添加。（如</a:t>
+            </a:r>
+            <a:endParaRPr kumimoji="1" lang="en-US" altLang="zh-CN" dirty="0"/>
+          </a:p>
+          <a:p>
+            <a:r>
+              <a:rPr kumimoji="1" lang="zh-CN" altLang="en-US" dirty="0"/>
+              <a:t>果已经有了则不需要重复添加）</a:t>
+            </a:r>
+            <a:endParaRPr kumimoji="1" lang="en-US" altLang="zh-CN" dirty="0"/>
+          </a:p>
+          <a:p>
+            <a:endParaRPr kumimoji="1" lang="en-US" altLang="zh-CN" dirty="0"/>
+          </a:p>
+          <a:p>
+            <a:r>
+              <a:rPr kumimoji="1" lang="zh-CN" altLang="en-US" dirty="0"/>
+              <a:t>   选择</a:t>
+            </a:r>
+            <a:r>
+              <a:rPr kumimoji="1" lang="en-US" altLang="zh-CN" dirty="0" err="1"/>
+              <a:t>DIalogueCanavas</a:t>
+            </a:r>
+            <a:r>
+              <a:rPr kumimoji="1" lang="zh-CN" altLang="en-US" dirty="0"/>
+              <a:t>并且右键添加一个</a:t>
+            </a:r>
+            <a:endParaRPr kumimoji="1" lang="en-US" altLang="zh-CN" dirty="0"/>
+          </a:p>
+          <a:p>
+            <a:r>
+              <a:rPr kumimoji="1" lang="zh-CN" altLang="en-US" dirty="0"/>
+              <a:t>新的</a:t>
+            </a:r>
+            <a:r>
+              <a:rPr kumimoji="1" lang="en-US" altLang="zh-CN" dirty="0"/>
+              <a:t>Conversation</a:t>
+            </a:r>
+            <a:r>
+              <a:rPr kumimoji="1" lang="zh-CN" altLang="en-US" dirty="0"/>
+              <a:t>，这个</a:t>
+            </a:r>
+            <a:r>
+              <a:rPr kumimoji="1" lang="en-US" altLang="zh-CN" dirty="0"/>
+              <a:t>Conversation</a:t>
+            </a:r>
+            <a:r>
+              <a:rPr kumimoji="1" lang="zh-CN" altLang="en-US" dirty="0"/>
+              <a:t>会作</a:t>
+            </a:r>
+            <a:endParaRPr kumimoji="1" lang="en-US" altLang="zh-CN" dirty="0"/>
+          </a:p>
+          <a:p>
+            <a:r>
+              <a:rPr kumimoji="1" lang="zh-CN" altLang="en-US" dirty="0"/>
+              <a:t>为一个全新</a:t>
+            </a:r>
+            <a:r>
+              <a:rPr kumimoji="1" lang="en-US" altLang="zh-CN" dirty="0"/>
+              <a:t>Object</a:t>
+            </a:r>
+            <a:r>
+              <a:rPr kumimoji="1" lang="zh-CN" altLang="en-US" dirty="0"/>
+              <a:t>出现在</a:t>
+            </a:r>
+            <a:r>
+              <a:rPr kumimoji="1" lang="en-US" altLang="zh-CN" dirty="0"/>
+              <a:t>Canvas</a:t>
+            </a:r>
+            <a:r>
+              <a:rPr kumimoji="1" lang="zh-CN" altLang="en-US" dirty="0"/>
+              <a:t>里</a:t>
+            </a:r>
+            <a:endParaRPr kumimoji="1" lang="en-US" altLang="zh-CN" dirty="0"/>
+          </a:p>
+          <a:p>
+            <a:endParaRPr kumimoji="1" lang="en-US" altLang="zh-CN" dirty="0"/>
+          </a:p>
+          <a:p>
+            <a:r>
+              <a:rPr kumimoji="1" lang="en-US" altLang="zh-CN" dirty="0"/>
+              <a:t>   </a:t>
+            </a:r>
+            <a:r>
+              <a:rPr kumimoji="1" lang="zh-CN" altLang="en-US" dirty="0"/>
+              <a:t>选择</a:t>
+            </a:r>
+            <a:r>
+              <a:rPr kumimoji="1" lang="en-US" altLang="zh-CN" dirty="0" err="1"/>
+              <a:t>DialogueCanavas</a:t>
+            </a:r>
+            <a:r>
+              <a:rPr kumimoji="1" lang="zh-CN" altLang="en-US" dirty="0"/>
+              <a:t>中的“</a:t>
+            </a:r>
+            <a:r>
+              <a:rPr kumimoji="1" lang="en-US" altLang="zh-CN" dirty="0"/>
+              <a:t>Scene-</a:t>
+            </a:r>
+          </a:p>
+          <a:p>
+            <a:r>
+              <a:rPr kumimoji="1" lang="en-US" altLang="zh-CN" dirty="0"/>
+              <a:t>Manager</a:t>
+            </a:r>
+            <a:r>
+              <a:rPr kumimoji="1" lang="zh-CN" altLang="en-US" dirty="0"/>
+              <a:t>”，你将会在检查器中看到</a:t>
+            </a:r>
+            <a:endParaRPr kumimoji="1" lang="en-US" altLang="zh-CN" dirty="0"/>
+          </a:p>
+          <a:p>
+            <a:endParaRPr kumimoji="1" lang="en-US" altLang="zh-CN" dirty="0"/>
+          </a:p>
+          <a:p>
+            <a:endParaRPr kumimoji="1" lang="en-US" altLang="zh-CN" dirty="0"/>
+          </a:p>
+          <a:p>
+            <a:endParaRPr kumimoji="1" lang="en-US" altLang="zh-CN" dirty="0"/>
+          </a:p>
+          <a:p>
+            <a:endParaRPr kumimoji="1" lang="en-US" altLang="zh-CN" dirty="0"/>
+          </a:p>
+          <a:p>
+            <a:endParaRPr kumimoji="1" lang="en-US" altLang="zh-CN" dirty="0"/>
+          </a:p>
+          <a:p>
+            <a:r>
+              <a:rPr kumimoji="1" lang="zh-CN" altLang="en-US" dirty="0"/>
+              <a:t>这是管理这个场景的脚本们，作为</a:t>
+            </a:r>
+            <a:endParaRPr kumimoji="1" lang="en-US" altLang="zh-CN" dirty="0"/>
+          </a:p>
+          <a:p>
+            <a:r>
+              <a:rPr kumimoji="1" lang="zh-CN" altLang="en-US" dirty="0"/>
+              <a:t>文案，将会经常用到“</a:t>
+            </a:r>
+            <a:r>
+              <a:rPr kumimoji="1" lang="en-US" altLang="zh-CN" dirty="0" err="1"/>
+              <a:t>VNScene</a:t>
+            </a:r>
+            <a:r>
+              <a:rPr kumimoji="1" lang="en-US" altLang="zh-CN" dirty="0"/>
+              <a:t>-</a:t>
+            </a:r>
+          </a:p>
+          <a:p>
+            <a:r>
+              <a:rPr kumimoji="1" lang="en-US" altLang="zh-CN" dirty="0"/>
+              <a:t>Manager</a:t>
+            </a:r>
+            <a:r>
+              <a:rPr kumimoji="1" lang="zh-CN" altLang="en-US" dirty="0"/>
+              <a:t>”以及“</a:t>
+            </a:r>
+            <a:r>
+              <a:rPr kumimoji="1" lang="en-US" altLang="zh-CN" dirty="0" err="1"/>
+              <a:t>ActorManager</a:t>
+            </a:r>
+            <a:r>
+              <a:rPr kumimoji="1" lang="zh-CN" altLang="en-US" dirty="0"/>
+              <a:t>”。</a:t>
+            </a:r>
+            <a:endParaRPr kumimoji="1" lang="en-US" altLang="zh-CN" dirty="0"/>
+          </a:p>
+          <a:p>
+            <a:endParaRPr kumimoji="1" lang="en-US" altLang="zh-CN" dirty="0"/>
+          </a:p>
+          <a:p>
+            <a:r>
+              <a:rPr kumimoji="1" lang="zh-CN" altLang="en-US" dirty="0"/>
+              <a:t>    </a:t>
+            </a:r>
+            <a:endParaRPr kumimoji="1" lang="ja-JP" altLang="en-US" dirty="0"/>
+          </a:p>
+        </p:txBody>
+      </p:sp>
+      <p:pic>
+        <p:nvPicPr>
+          <p:cNvPr id="8" name="図 7">
+            <a:extLst>
+              <a:ext uri="{FF2B5EF4-FFF2-40B4-BE49-F238E27FC236}">
+                <a16:creationId xmlns:a16="http://schemas.microsoft.com/office/drawing/2014/main" id="{7B8FC08D-7A0B-F500-83B1-29F6BBE7AD5F}"/>
+              </a:ext>
+            </a:extLst>
+          </p:cNvPr>
+          <p:cNvPicPr>
+            <a:picLocks noChangeAspect="1"/>
+          </p:cNvPicPr>
+          <p:nvPr/>
+        </p:nvPicPr>
+        <p:blipFill rotWithShape="1">
+          <a:blip r:embed="rId3"/>
+          <a:srcRect l="18488" t="2037" r="15031" b="4329"/>
+          <a:stretch/>
+        </p:blipFill>
+        <p:spPr>
+          <a:xfrm>
+            <a:off x="4716780" y="4046689"/>
+            <a:ext cx="1912620" cy="2506512"/>
+          </a:xfrm>
+          <a:prstGeom prst="rect">
+            <a:avLst/>
+          </a:prstGeom>
+        </p:spPr>
+      </p:pic>
+      <p:pic>
+        <p:nvPicPr>
+          <p:cNvPr id="10" name="図 9">
+            <a:extLst>
+              <a:ext uri="{FF2B5EF4-FFF2-40B4-BE49-F238E27FC236}">
+                <a16:creationId xmlns:a16="http://schemas.microsoft.com/office/drawing/2014/main" id="{8B3078A8-BFB0-D294-84CE-FB7913EFF271}"/>
+              </a:ext>
+            </a:extLst>
+          </p:cNvPr>
+          <p:cNvPicPr>
+            <a:picLocks noChangeAspect="1"/>
+          </p:cNvPicPr>
+          <p:nvPr/>
+        </p:nvPicPr>
+        <p:blipFill rotWithShape="1">
+          <a:blip r:embed="rId4"/>
+          <a:srcRect l="5862" t="6989" r="4181" b="5656"/>
+          <a:stretch/>
+        </p:blipFill>
+        <p:spPr>
+          <a:xfrm>
+            <a:off x="4107180" y="6176010"/>
+            <a:ext cx="2689860" cy="2857500"/>
+          </a:xfrm>
+          <a:prstGeom prst="rect">
+            <a:avLst/>
+          </a:prstGeom>
+        </p:spPr>
+      </p:pic>
+      <p:pic>
+        <p:nvPicPr>
+          <p:cNvPr id="12" name="図 11">
+            <a:extLst>
+              <a:ext uri="{FF2B5EF4-FFF2-40B4-BE49-F238E27FC236}">
+                <a16:creationId xmlns:a16="http://schemas.microsoft.com/office/drawing/2014/main" id="{707FD8CB-D82A-ECAD-5B4A-1F08C7570057}"/>
+              </a:ext>
+            </a:extLst>
+          </p:cNvPr>
+          <p:cNvPicPr>
+            <a:picLocks noChangeAspect="1"/>
+          </p:cNvPicPr>
+          <p:nvPr/>
+        </p:nvPicPr>
+        <p:blipFill rotWithShape="1">
+          <a:blip r:embed="rId5"/>
+          <a:srcRect l="686" t="14033" r="39873" b="24945"/>
+          <a:stretch/>
+        </p:blipFill>
+        <p:spPr>
+          <a:xfrm>
+            <a:off x="689610" y="5929191"/>
+            <a:ext cx="3086100" cy="1127760"/>
+          </a:xfrm>
+          <a:prstGeom prst="rect">
+            <a:avLst/>
+          </a:prstGeom>
+        </p:spPr>
+      </p:pic>
+    </p:spTree>
+    <p:extLst>
+      <p:ext uri="{BB962C8B-B14F-4D97-AF65-F5344CB8AC3E}">
+        <p14:creationId xmlns:p14="http://schemas.microsoft.com/office/powerpoint/2010/main" val="3745086290"/>
+      </p:ext>
+    </p:extLst>
+  </p:cSld>
+  <p:clrMapOvr>
+    <a:masterClrMapping/>
+  </p:clrMapOvr>
+</p:sld>
+</file>
+
+<file path=ppt/slides/slide4.xml><?xml version="1.0" encoding="utf-8"?>
+<p:sld xmlns:a="http://schemas.openxmlformats.org/drawingml/2006/main" xmlns:r="http://schemas.openxmlformats.org/officeDocument/2006/relationships" xmlns:p="http://schemas.openxmlformats.org/presentationml/2006/main">
+  <p:cSld>
+    <p:spTree>
+      <p:nvGrpSpPr>
+        <p:cNvPr id="1" name=""/>
+        <p:cNvGrpSpPr/>
+        <p:nvPr/>
+      </p:nvGrpSpPr>
+      <p:grpSpPr>
+        <a:xfrm>
+          <a:off x="0" y="0"/>
+          <a:ext cx="0" cy="0"/>
+          <a:chOff x="0" y="0"/>
+          <a:chExt cx="0" cy="0"/>
+        </a:xfrm>
+      </p:grpSpPr>
+      <p:sp>
+        <p:nvSpPr>
+          <p:cNvPr id="6" name="テキスト ボックス 5">
+            <a:extLst>
+              <a:ext uri="{FF2B5EF4-FFF2-40B4-BE49-F238E27FC236}">
+                <a16:creationId xmlns:a16="http://schemas.microsoft.com/office/drawing/2014/main" id="{2A99C11F-F1BB-7D1E-1A6D-4404AC82AB1E}"/>
+              </a:ext>
+            </a:extLst>
+          </p:cNvPr>
+          <p:cNvSpPr txBox="1"/>
+          <p:nvPr/>
+        </p:nvSpPr>
+        <p:spPr>
+          <a:xfrm>
+            <a:off x="733425" y="112665"/>
+            <a:ext cx="5911215" cy="6463308"/>
+          </a:xfrm>
+          <a:prstGeom prst="rect">
+            <a:avLst/>
+          </a:prstGeom>
+          <a:noFill/>
+        </p:spPr>
+        <p:txBody>
+          <a:bodyPr wrap="square" rtlCol="0">
+            <a:spAutoFit/>
+          </a:bodyPr>
+          <a:lstStyle/>
+          <a:p>
+            <a:r>
+              <a:rPr kumimoji="1" lang="zh-CN" altLang="en-US" dirty="0"/>
+              <a:t>    </a:t>
+            </a:r>
+            <a:endParaRPr kumimoji="1" lang="en-US" altLang="zh-CN" dirty="0"/>
+          </a:p>
+          <a:p>
+            <a:r>
+              <a:rPr kumimoji="1" lang="zh-CN" altLang="en-US" dirty="0"/>
+              <a:t>    现在，将刚刚新建的</a:t>
+            </a:r>
+            <a:r>
+              <a:rPr kumimoji="1" lang="en-US" altLang="zh-CN" dirty="0"/>
+              <a:t>Conversation</a:t>
+            </a:r>
+          </a:p>
+          <a:p>
+            <a:r>
+              <a:rPr kumimoji="1" lang="en-US" altLang="zh-CN" dirty="0"/>
+              <a:t>Object</a:t>
+            </a:r>
+            <a:r>
+              <a:rPr kumimoji="1" lang="zh-CN" altLang="en-US" dirty="0"/>
+              <a:t>拖拽到</a:t>
+            </a:r>
+            <a:r>
+              <a:rPr kumimoji="1" lang="en-US" altLang="zh-CN" dirty="0" err="1"/>
+              <a:t>SceneManager</a:t>
+            </a:r>
+            <a:r>
+              <a:rPr kumimoji="1" lang="zh-CN" altLang="en-US" dirty="0"/>
+              <a:t>的</a:t>
+            </a:r>
+            <a:r>
+              <a:rPr kumimoji="1" lang="en-US" altLang="zh-CN" dirty="0" err="1"/>
+              <a:t>StartingConversation</a:t>
+            </a:r>
+            <a:r>
+              <a:rPr kumimoji="1" lang="zh-CN" altLang="en-US" dirty="0"/>
+              <a:t>中</a:t>
+            </a:r>
+            <a:endParaRPr kumimoji="1" lang="en-US" altLang="zh-CN" dirty="0"/>
+          </a:p>
+          <a:p>
+            <a:endParaRPr kumimoji="1" lang="en-US" altLang="zh-CN" dirty="0"/>
+          </a:p>
+          <a:p>
+            <a:endParaRPr kumimoji="1" lang="en-US" altLang="zh-CN" dirty="0"/>
+          </a:p>
+          <a:p>
+            <a:endParaRPr kumimoji="1" lang="en-US" altLang="zh-CN" dirty="0"/>
+          </a:p>
+          <a:p>
+            <a:endParaRPr kumimoji="1" lang="en-US" altLang="zh-CN" dirty="0"/>
+          </a:p>
+          <a:p>
+            <a:endParaRPr kumimoji="1" lang="en-US" altLang="zh-CN" dirty="0"/>
+          </a:p>
+          <a:p>
+            <a:endParaRPr kumimoji="1" lang="en-US" altLang="zh-CN" dirty="0"/>
+          </a:p>
+          <a:p>
+            <a:endParaRPr kumimoji="1" lang="en-US" altLang="zh-CN" dirty="0"/>
+          </a:p>
+          <a:p>
+            <a:endParaRPr kumimoji="1" lang="en-US" altLang="zh-CN" dirty="0"/>
+          </a:p>
+          <a:p>
+            <a:endParaRPr kumimoji="1" lang="en-US" altLang="zh-CN" dirty="0"/>
+          </a:p>
+          <a:p>
+            <a:endParaRPr kumimoji="1" lang="en-US" altLang="zh-CN" dirty="0"/>
+          </a:p>
+          <a:p>
+            <a:endParaRPr kumimoji="1" lang="en-US" altLang="zh-CN" dirty="0"/>
+          </a:p>
+          <a:p>
+            <a:endParaRPr kumimoji="1" lang="en-US" altLang="zh-CN" dirty="0"/>
+          </a:p>
+          <a:p>
+            <a:endParaRPr kumimoji="1" lang="en-US" altLang="zh-CN" dirty="0"/>
+          </a:p>
+          <a:p>
+            <a:r>
+              <a:rPr kumimoji="1" lang="zh-CN" altLang="en-US" dirty="0"/>
+              <a:t>这是将此</a:t>
+            </a:r>
+            <a:r>
+              <a:rPr kumimoji="1" lang="en-US" altLang="zh-CN" dirty="0"/>
+              <a:t>Conversation</a:t>
+            </a:r>
+            <a:r>
+              <a:rPr kumimoji="1" lang="zh-CN" altLang="en-US" dirty="0"/>
+              <a:t>设定为了这个场景一开始的</a:t>
+            </a:r>
+            <a:r>
+              <a:rPr kumimoji="1" lang="en-US" altLang="zh-CN" dirty="0"/>
+              <a:t>Conversation</a:t>
+            </a:r>
+            <a:r>
+              <a:rPr kumimoji="1" lang="zh-CN" altLang="en-US" dirty="0"/>
+              <a:t>。具体表现为切换到这一场景后就会从这里开始自动播放。</a:t>
+            </a:r>
+            <a:endParaRPr kumimoji="1" lang="en-US" altLang="zh-CN" dirty="0"/>
+          </a:p>
+          <a:p>
+            <a:r>
+              <a:rPr kumimoji="1" lang="en-US" altLang="zh-CN" dirty="0"/>
+              <a:t>    </a:t>
+            </a:r>
+            <a:r>
+              <a:rPr kumimoji="1" lang="zh-CN" altLang="en-US" dirty="0"/>
+              <a:t>由于我们的游戏并非纯正</a:t>
+            </a:r>
+            <a:r>
+              <a:rPr kumimoji="1" lang="en-US" altLang="zh-CN" dirty="0" err="1"/>
+              <a:t>VisualNovel</a:t>
+            </a:r>
+            <a:r>
+              <a:rPr kumimoji="1" lang="zh-CN" altLang="en-US" dirty="0"/>
+              <a:t>游戏，多数时间在进行自由探索，所以用到这个功能的机会并不多，但并不是没有，所以你需要知道。</a:t>
+            </a:r>
+            <a:endParaRPr kumimoji="1" lang="en-US" altLang="zh-CN" dirty="0"/>
+          </a:p>
+          <a:p>
+            <a:endParaRPr kumimoji="1" lang="ja-JP" altLang="en-US" dirty="0"/>
+          </a:p>
+        </p:txBody>
+      </p:sp>
+      <p:pic>
+        <p:nvPicPr>
+          <p:cNvPr id="4" name="図 3">
+            <a:extLst>
+              <a:ext uri="{FF2B5EF4-FFF2-40B4-BE49-F238E27FC236}">
+                <a16:creationId xmlns:a16="http://schemas.microsoft.com/office/drawing/2014/main" id="{13F25C00-FA90-1418-14D2-81BC3D9DF7F4}"/>
+              </a:ext>
+            </a:extLst>
+          </p:cNvPr>
+          <p:cNvPicPr>
+            <a:picLocks noChangeAspect="1"/>
+          </p:cNvPicPr>
+          <p:nvPr/>
+        </p:nvPicPr>
+        <p:blipFill rotWithShape="1">
+          <a:blip r:embed="rId2"/>
+          <a:srcRect l="6999" t="546" r="5889" b="26134"/>
+          <a:stretch/>
+        </p:blipFill>
+        <p:spPr>
+          <a:xfrm>
+            <a:off x="571500" y="1059181"/>
+            <a:ext cx="5974080" cy="3505199"/>
+          </a:xfrm>
+          <a:prstGeom prst="rect">
+            <a:avLst/>
+          </a:prstGeom>
+        </p:spPr>
+      </p:pic>
+      <p:cxnSp>
+        <p:nvCxnSpPr>
+          <p:cNvPr id="15" name="直線矢印コネクタ 14">
+            <a:extLst>
+              <a:ext uri="{FF2B5EF4-FFF2-40B4-BE49-F238E27FC236}">
+                <a16:creationId xmlns:a16="http://schemas.microsoft.com/office/drawing/2014/main" id="{A19CAD09-DD1B-8A95-06A3-6F09112430CD}"/>
+              </a:ext>
+            </a:extLst>
+          </p:cNvPr>
+          <p:cNvCxnSpPr>
+            <a:cxnSpLocks/>
+          </p:cNvCxnSpPr>
+          <p:nvPr/>
+        </p:nvCxnSpPr>
+        <p:spPr>
+          <a:xfrm flipV="1">
+            <a:off x="1722120" y="3916680"/>
+            <a:ext cx="3070860" cy="350520"/>
+          </a:xfrm>
+          <a:prstGeom prst="straightConnector1">
+            <a:avLst/>
+          </a:prstGeom>
+          <a:ln w="19050" cap="flat" cmpd="sng" algn="ctr">
+            <a:solidFill>
+              <a:srgbClr val="C00000"/>
+            </a:solidFill>
+            <a:prstDash val="solid"/>
+            <a:round/>
+            <a:headEnd type="none" w="med" len="med"/>
+            <a:tailEnd type="arrow" w="med" len="med"/>
+          </a:ln>
+        </p:spPr>
+        <p:style>
+          <a:lnRef idx="0">
+            <a:scrgbClr r="0" g="0" b="0"/>
+          </a:lnRef>
+          <a:fillRef idx="0">
+            <a:scrgbClr r="0" g="0" b="0"/>
+          </a:fillRef>
+          <a:effectRef idx="0">
+            <a:scrgbClr r="0" g="0" b="0"/>
+          </a:effectRef>
+          <a:fontRef idx="minor">
+            <a:schemeClr val="tx1"/>
+          </a:fontRef>
+        </p:style>
+      </p:cxnSp>
+    </p:spTree>
+    <p:extLst>
+      <p:ext uri="{BB962C8B-B14F-4D97-AF65-F5344CB8AC3E}">
+        <p14:creationId xmlns:p14="http://schemas.microsoft.com/office/powerpoint/2010/main" val="2513670965"/>
+      </p:ext>
+    </p:extLst>
+  </p:cSld>
+  <p:clrMapOvr>
+    <a:masterClrMapping/>
+  </p:clrMapOvr>
+</p:sld>
+</file>
+
+<file path=ppt/slides/slide5.xml><?xml version="1.0" encoding="utf-8"?>
+<p:sld xmlns:a="http://schemas.openxmlformats.org/drawingml/2006/main" xmlns:r="http://schemas.openxmlformats.org/officeDocument/2006/relationships" xmlns:p="http://schemas.openxmlformats.org/presentationml/2006/main">
+  <p:cSld>
+    <p:spTree>
+      <p:nvGrpSpPr>
+        <p:cNvPr id="1" name=""/>
+        <p:cNvGrpSpPr/>
+        <p:nvPr/>
+      </p:nvGrpSpPr>
+      <p:grpSpPr>
+        <a:xfrm>
+          <a:off x="0" y="0"/>
+          <a:ext cx="0" cy="0"/>
+          <a:chOff x="0" y="0"/>
+          <a:chExt cx="0" cy="0"/>
+        </a:xfrm>
+      </p:grpSpPr>
+      <p:sp>
+        <p:nvSpPr>
+          <p:cNvPr id="2" name="タイトル 1">
+            <a:extLst>
+              <a:ext uri="{FF2B5EF4-FFF2-40B4-BE49-F238E27FC236}">
+                <a16:creationId xmlns:a16="http://schemas.microsoft.com/office/drawing/2014/main" id="{D969D0B6-DB48-9613-8FCF-411045116D90}"/>
+              </a:ext>
+            </a:extLst>
+          </p:cNvPr>
+          <p:cNvSpPr>
+            <a:spLocks noGrp="1"/>
+          </p:cNvSpPr>
+          <p:nvPr>
+            <p:ph type="title"/>
+          </p:nvPr>
+        </p:nvSpPr>
+        <p:spPr>
+          <a:xfrm>
+            <a:off x="728662" y="982980"/>
+            <a:ext cx="5400675" cy="646331"/>
+          </a:xfrm>
+        </p:spPr>
+        <p:txBody>
+          <a:bodyPr>
+            <a:normAutofit fontScale="90000"/>
+          </a:bodyPr>
+          <a:lstStyle/>
+          <a:p>
+            <a:r>
+              <a:rPr kumimoji="1" lang="zh-CN" altLang="en-US" dirty="0"/>
+              <a:t>基本逻辑</a:t>
+            </a:r>
+            <a:br>
+              <a:rPr kumimoji="1" lang="en-US" altLang="zh-CN" dirty="0"/>
+            </a:br>
+            <a:r>
+              <a:rPr kumimoji="1" lang="en-US" altLang="zh-CN" sz="2000" dirty="0"/>
+              <a:t>-</a:t>
+            </a:r>
+            <a:r>
+              <a:rPr kumimoji="1" lang="en-US" altLang="zh-CN" sz="2000" dirty="0" err="1"/>
+              <a:t>DialogueCanvas</a:t>
+            </a:r>
+            <a:r>
+              <a:rPr kumimoji="1" lang="zh-CN" altLang="en-US" sz="2000" dirty="0"/>
+              <a:t>与</a:t>
+            </a:r>
+            <a:r>
+              <a:rPr kumimoji="1" lang="en-US" altLang="zh-CN" sz="2000" dirty="0"/>
+              <a:t>Conversations</a:t>
+            </a:r>
+            <a:br>
+              <a:rPr kumimoji="1" lang="en-US" altLang="zh-CN" sz="2000" dirty="0"/>
+            </a:br>
+            <a:endParaRPr kumimoji="1" lang="ja-JP" altLang="en-US" dirty="0"/>
+          </a:p>
+        </p:txBody>
+      </p:sp>
+      <p:sp>
+        <p:nvSpPr>
+          <p:cNvPr id="6" name="テキスト ボックス 5">
+            <a:extLst>
+              <a:ext uri="{FF2B5EF4-FFF2-40B4-BE49-F238E27FC236}">
+                <a16:creationId xmlns:a16="http://schemas.microsoft.com/office/drawing/2014/main" id="{2A99C11F-F1BB-7D1E-1A6D-4404AC82AB1E}"/>
+              </a:ext>
+            </a:extLst>
+          </p:cNvPr>
+          <p:cNvSpPr txBox="1"/>
+          <p:nvPr/>
+        </p:nvSpPr>
+        <p:spPr>
+          <a:xfrm>
+            <a:off x="358140" y="1683838"/>
+            <a:ext cx="6408420" cy="7571303"/>
+          </a:xfrm>
+          <a:prstGeom prst="rect">
+            <a:avLst/>
+          </a:prstGeom>
+          <a:noFill/>
+        </p:spPr>
+        <p:txBody>
+          <a:bodyPr wrap="square" rtlCol="0">
+            <a:spAutoFit/>
+          </a:bodyPr>
+          <a:lstStyle/>
+          <a:p>
+            <a:r>
+              <a:rPr kumimoji="1" lang="zh-CN" altLang="en-US" dirty="0"/>
+              <a:t>    </a:t>
+            </a:r>
+            <a:endParaRPr kumimoji="1" lang="en-US" altLang="zh-CN" dirty="0"/>
+          </a:p>
+          <a:p>
+            <a:r>
+              <a:rPr kumimoji="1" lang="en-US" altLang="zh-CN" dirty="0"/>
+              <a:t>    </a:t>
+            </a:r>
+            <a:r>
+              <a:rPr kumimoji="1" lang="zh-CN" altLang="en-US" dirty="0"/>
+              <a:t>第一个要明确的是</a:t>
+            </a:r>
+            <a:r>
+              <a:rPr kumimoji="1" lang="en-US" altLang="zh-CN" dirty="0"/>
+              <a:t>Canvas</a:t>
+            </a:r>
+            <a:r>
+              <a:rPr kumimoji="1" lang="zh-CN" altLang="en-US" dirty="0"/>
+              <a:t>的概念。这是一块</a:t>
+            </a:r>
+            <a:r>
+              <a:rPr kumimoji="1" lang="en-US" altLang="zh-CN" dirty="0"/>
+              <a:t>【</a:t>
+            </a:r>
+            <a:r>
+              <a:rPr kumimoji="1" lang="zh-CN" altLang="en-US" dirty="0"/>
+              <a:t>屏幕</a:t>
+            </a:r>
+            <a:r>
+              <a:rPr kumimoji="1" lang="en-US" altLang="zh-CN" dirty="0"/>
+              <a:t>】</a:t>
+            </a:r>
+            <a:r>
+              <a:rPr kumimoji="1" lang="zh-CN" altLang="en-US" dirty="0"/>
+              <a:t>。所谓</a:t>
+            </a:r>
+            <a:r>
+              <a:rPr kumimoji="1" lang="en-US" altLang="zh-CN" dirty="0"/>
+              <a:t>UI</a:t>
+            </a:r>
+            <a:r>
+              <a:rPr kumimoji="1" lang="zh-CN" altLang="en-US" dirty="0"/>
+              <a:t>，是在屏幕上放映的。而，台词，对话框，立绘，都在这块屏幕上而并非在游戏舞台上。</a:t>
+            </a:r>
+            <a:r>
+              <a:rPr kumimoji="1" lang="en-US" altLang="zh-CN" dirty="0" err="1"/>
+              <a:t>DialogueCanvas</a:t>
+            </a:r>
+            <a:r>
+              <a:rPr kumimoji="1" lang="zh-CN" altLang="en-US" dirty="0"/>
+              <a:t>是专门准备给台词的一块屏幕。没有这块屏幕，就不能放映准备好的东西。因此，你所创建的所有</a:t>
+            </a:r>
+            <a:r>
+              <a:rPr kumimoji="1" lang="en-US" altLang="zh-CN" dirty="0"/>
+              <a:t>Conversation</a:t>
+            </a:r>
+            <a:r>
+              <a:rPr kumimoji="1" lang="zh-CN" altLang="en-US" dirty="0"/>
+              <a:t>都应该存在于</a:t>
+            </a:r>
+            <a:r>
+              <a:rPr kumimoji="1" lang="en-US" altLang="zh-CN" dirty="0"/>
+              <a:t>Dialogue-Canvas</a:t>
+            </a:r>
+            <a:r>
+              <a:rPr kumimoji="1" lang="zh-CN" altLang="en-US" dirty="0"/>
+              <a:t>的子集中。</a:t>
+            </a:r>
+            <a:endParaRPr kumimoji="1" lang="en-US" altLang="zh-CN" dirty="0"/>
+          </a:p>
+          <a:p>
+            <a:r>
+              <a:rPr kumimoji="1" lang="en-US" altLang="zh-CN" dirty="0"/>
+              <a:t>    </a:t>
+            </a:r>
+            <a:r>
+              <a:rPr kumimoji="1" lang="zh-CN" altLang="en-US" dirty="0"/>
+              <a:t>而</a:t>
+            </a:r>
+            <a:r>
+              <a:rPr kumimoji="1" lang="en-US" altLang="zh-CN" dirty="0"/>
+              <a:t>Conversations</a:t>
+            </a:r>
+            <a:r>
+              <a:rPr kumimoji="1" lang="zh-CN" altLang="en-US" dirty="0"/>
+              <a:t>，顾名思义，是对话。创建一个</a:t>
+            </a:r>
+            <a:r>
+              <a:rPr kumimoji="1" lang="en-US" altLang="zh-CN" dirty="0"/>
+              <a:t>Conversations</a:t>
+            </a:r>
+            <a:r>
+              <a:rPr kumimoji="1" lang="zh-CN" altLang="en-US" dirty="0"/>
+              <a:t>，是指创建了一段对话。假设，你问我喜欢吃香蕉还是苹果，我答香蕉，你就要和我讨论</a:t>
+            </a:r>
+            <a:r>
+              <a:rPr kumimoji="1" lang="en-US" altLang="zh-CN" dirty="0"/>
+              <a:t>ff14</a:t>
+            </a:r>
+            <a:r>
+              <a:rPr kumimoji="1" lang="zh-CN" altLang="en-US" dirty="0"/>
+              <a:t>的月亮坐骑，我答苹果，我们将会讨论苹果能不能放进咖喱。于是你需要创建三段对话，分别是，询问、月亮坐骑和苹果咖喱。不仅如此，如果和</a:t>
+            </a:r>
+            <a:r>
+              <a:rPr kumimoji="1" lang="en-US" altLang="zh-CN" dirty="0"/>
+              <a:t>A</a:t>
+            </a:r>
+            <a:r>
+              <a:rPr kumimoji="1" lang="zh-CN" altLang="en-US" dirty="0"/>
+              <a:t>有对话，和</a:t>
+            </a:r>
+            <a:r>
+              <a:rPr kumimoji="1" lang="en-US" altLang="zh-CN" dirty="0"/>
+              <a:t>B</a:t>
+            </a:r>
+            <a:r>
+              <a:rPr kumimoji="1" lang="zh-CN" altLang="en-US" dirty="0"/>
+              <a:t>也有对话，那你仍需要创建两个对话。</a:t>
+            </a:r>
+            <a:endParaRPr kumimoji="1" lang="en-US" altLang="zh-CN" dirty="0"/>
+          </a:p>
+          <a:p>
+            <a:r>
+              <a:rPr kumimoji="1" lang="en-US" altLang="zh-CN" dirty="0"/>
+              <a:t> </a:t>
+            </a:r>
+          </a:p>
+          <a:p>
+            <a:endParaRPr kumimoji="1" lang="en-US" altLang="zh-CN" dirty="0"/>
+          </a:p>
+          <a:p>
+            <a:endParaRPr kumimoji="1" lang="en-US" altLang="zh-CN" dirty="0"/>
+          </a:p>
+          <a:p>
+            <a:endParaRPr kumimoji="1" lang="en-US" altLang="zh-CN" dirty="0"/>
+          </a:p>
+          <a:p>
+            <a:endParaRPr kumimoji="1" lang="en-US" altLang="zh-CN" dirty="0"/>
+          </a:p>
+          <a:p>
+            <a:endParaRPr kumimoji="1" lang="en-US" altLang="zh-CN" dirty="0"/>
+          </a:p>
+          <a:p>
+            <a:endParaRPr kumimoji="1" lang="en-US" altLang="zh-CN" dirty="0"/>
+          </a:p>
+          <a:p>
+            <a:endParaRPr kumimoji="1" lang="en-US" altLang="zh-CN" dirty="0"/>
+          </a:p>
+          <a:p>
+            <a:endParaRPr kumimoji="1" lang="en-US" altLang="zh-CN" dirty="0"/>
+          </a:p>
+          <a:p>
+            <a:r>
+              <a:rPr kumimoji="1" lang="en-US" altLang="zh-CN" dirty="0"/>
+              <a:t>    </a:t>
+            </a:r>
+            <a:r>
+              <a:rPr kumimoji="1" lang="zh-CN" altLang="en-US" dirty="0"/>
+              <a:t>观察</a:t>
+            </a:r>
+            <a:r>
+              <a:rPr kumimoji="1" lang="en-US" altLang="zh-CN" dirty="0"/>
+              <a:t>Conversation</a:t>
+            </a:r>
+            <a:r>
+              <a:rPr kumimoji="1" lang="zh-CN" altLang="en-US" dirty="0"/>
+              <a:t>的检查器，每一个</a:t>
+            </a:r>
+            <a:r>
+              <a:rPr kumimoji="1" lang="en-US" altLang="zh-CN" dirty="0"/>
+              <a:t>Conversation</a:t>
+            </a:r>
+            <a:r>
+              <a:rPr kumimoji="1" lang="zh-CN" altLang="en-US" dirty="0"/>
+              <a:t>上都会存在一个</a:t>
+            </a:r>
+            <a:r>
+              <a:rPr kumimoji="1" lang="en-US" altLang="zh-CN" dirty="0" err="1"/>
+              <a:t>ConversationManager</a:t>
+            </a:r>
+            <a:r>
+              <a:rPr kumimoji="1" lang="zh-CN" altLang="en-US" dirty="0"/>
+              <a:t>的脚本。将</a:t>
+            </a:r>
+            <a:r>
+              <a:rPr kumimoji="1" lang="en-US" altLang="zh-CN" dirty="0"/>
+              <a:t>B conversation</a:t>
+            </a:r>
+            <a:r>
+              <a:rPr kumimoji="1" lang="zh-CN" altLang="en-US" dirty="0"/>
+              <a:t>拖入</a:t>
+            </a:r>
+            <a:r>
+              <a:rPr kumimoji="1" lang="en-US" altLang="zh-CN" dirty="0"/>
+              <a:t>A conversation</a:t>
+            </a:r>
+            <a:r>
+              <a:rPr kumimoji="1" lang="zh-CN" altLang="en-US" dirty="0"/>
+              <a:t>的</a:t>
+            </a:r>
+            <a:r>
+              <a:rPr kumimoji="1" lang="en-US" altLang="zh-CN" dirty="0"/>
+              <a:t>Start-conversation-when-done</a:t>
+            </a:r>
+            <a:r>
+              <a:rPr kumimoji="1" lang="zh-CN" altLang="en-US" dirty="0"/>
+              <a:t>中，则当</a:t>
+            </a:r>
+            <a:r>
+              <a:rPr kumimoji="1" lang="en-US" altLang="zh-CN" dirty="0"/>
+              <a:t>A</a:t>
+            </a:r>
+            <a:r>
+              <a:rPr kumimoji="1" lang="zh-CN" altLang="en-US" dirty="0"/>
+              <a:t>对话结束后，会跳转入</a:t>
+            </a:r>
+            <a:r>
+              <a:rPr kumimoji="1" lang="en-US" altLang="zh-CN" dirty="0"/>
+              <a:t>B</a:t>
+            </a:r>
+            <a:r>
+              <a:rPr kumimoji="1" lang="zh-CN" altLang="en-US" dirty="0"/>
+              <a:t>对话（无条件）。</a:t>
+            </a:r>
+            <a:endParaRPr kumimoji="1" lang="en-US" altLang="zh-CN" dirty="0"/>
+          </a:p>
+          <a:p>
+            <a:r>
+              <a:rPr kumimoji="1" lang="zh-CN" altLang="en-US" dirty="0"/>
+              <a:t>    </a:t>
+            </a:r>
+            <a:endParaRPr kumimoji="1" lang="ja-JP" altLang="en-US" dirty="0"/>
+          </a:p>
+        </p:txBody>
+      </p:sp>
+      <p:pic>
+        <p:nvPicPr>
+          <p:cNvPr id="11" name="図 10">
+            <a:extLst>
+              <a:ext uri="{FF2B5EF4-FFF2-40B4-BE49-F238E27FC236}">
+                <a16:creationId xmlns:a16="http://schemas.microsoft.com/office/drawing/2014/main" id="{9A5223CD-1BE4-75AB-34CD-498026A2A21E}"/>
+              </a:ext>
+            </a:extLst>
+          </p:cNvPr>
+          <p:cNvPicPr>
+            <a:picLocks noChangeAspect="1"/>
+          </p:cNvPicPr>
+          <p:nvPr/>
+        </p:nvPicPr>
+        <p:blipFill rotWithShape="1">
+          <a:blip r:embed="rId2"/>
+          <a:srcRect t="219" r="2835" b="27765"/>
+          <a:stretch/>
+        </p:blipFill>
+        <p:spPr>
+          <a:xfrm>
+            <a:off x="858454" y="5273041"/>
+            <a:ext cx="4970846" cy="2468879"/>
+          </a:xfrm>
+          <a:prstGeom prst="rect">
+            <a:avLst/>
+          </a:prstGeom>
+        </p:spPr>
+      </p:pic>
+    </p:spTree>
+    <p:extLst>
+      <p:ext uri="{BB962C8B-B14F-4D97-AF65-F5344CB8AC3E}">
+        <p14:creationId xmlns:p14="http://schemas.microsoft.com/office/powerpoint/2010/main" val="3874829644"/>
+      </p:ext>
+    </p:extLst>
+  </p:cSld>
+  <p:clrMapOvr>
+    <a:masterClrMapping/>
+  </p:clrMapOvr>
+</p:sld>
+</file>
+
+<file path=ppt/slides/slide6.xml><?xml version="1.0" encoding="utf-8"?>
+<p:sld xmlns:a="http://schemas.openxmlformats.org/drawingml/2006/main" xmlns:r="http://schemas.openxmlformats.org/officeDocument/2006/relationships" xmlns:p="http://schemas.openxmlformats.org/presentationml/2006/main">
+  <p:cSld>
+    <p:spTree>
+      <p:nvGrpSpPr>
+        <p:cNvPr id="1" name=""/>
+        <p:cNvGrpSpPr/>
+        <p:nvPr/>
+      </p:nvGrpSpPr>
+      <p:grpSpPr>
+        <a:xfrm>
+          <a:off x="0" y="0"/>
+          <a:ext cx="0" cy="0"/>
+          <a:chOff x="0" y="0"/>
+          <a:chExt cx="0" cy="0"/>
+        </a:xfrm>
+      </p:grpSpPr>
+      <p:sp>
+        <p:nvSpPr>
+          <p:cNvPr id="2" name="タイトル 1">
+            <a:extLst>
+              <a:ext uri="{FF2B5EF4-FFF2-40B4-BE49-F238E27FC236}">
+                <a16:creationId xmlns:a16="http://schemas.microsoft.com/office/drawing/2014/main" id="{D969D0B6-DB48-9613-8FCF-411045116D90}"/>
+              </a:ext>
+            </a:extLst>
+          </p:cNvPr>
+          <p:cNvSpPr>
+            <a:spLocks noGrp="1"/>
+          </p:cNvSpPr>
+          <p:nvPr>
+            <p:ph type="title"/>
+          </p:nvPr>
+        </p:nvSpPr>
+        <p:spPr>
+          <a:xfrm>
+            <a:off x="728662" y="982980"/>
+            <a:ext cx="5400675" cy="646331"/>
+          </a:xfrm>
+        </p:spPr>
+        <p:txBody>
+          <a:bodyPr>
+            <a:normAutofit fontScale="90000"/>
+          </a:bodyPr>
+          <a:lstStyle/>
+          <a:p>
+            <a:r>
+              <a:rPr kumimoji="1" lang="zh-CN" altLang="en-US" dirty="0"/>
+              <a:t>基本逻辑</a:t>
+            </a:r>
+            <a:br>
+              <a:rPr kumimoji="1" lang="en-US" altLang="zh-CN" dirty="0"/>
+            </a:br>
+            <a:r>
+              <a:rPr kumimoji="1" lang="en-US" altLang="zh-CN" sz="2000" dirty="0"/>
+              <a:t>-Dialogues</a:t>
+            </a:r>
+            <a:br>
+              <a:rPr kumimoji="1" lang="en-US" altLang="zh-CN" sz="2000" dirty="0"/>
+            </a:br>
+            <a:endParaRPr kumimoji="1" lang="ja-JP" altLang="en-US" dirty="0"/>
+          </a:p>
+        </p:txBody>
+      </p:sp>
+      <p:sp>
+        <p:nvSpPr>
+          <p:cNvPr id="6" name="テキスト ボックス 5">
+            <a:extLst>
+              <a:ext uri="{FF2B5EF4-FFF2-40B4-BE49-F238E27FC236}">
+                <a16:creationId xmlns:a16="http://schemas.microsoft.com/office/drawing/2014/main" id="{2A99C11F-F1BB-7D1E-1A6D-4404AC82AB1E}"/>
+              </a:ext>
+            </a:extLst>
+          </p:cNvPr>
+          <p:cNvSpPr txBox="1"/>
+          <p:nvPr/>
+        </p:nvSpPr>
+        <p:spPr>
+          <a:xfrm>
+            <a:off x="358140" y="1629311"/>
+            <a:ext cx="6408420" cy="4247317"/>
+          </a:xfrm>
+          <a:prstGeom prst="rect">
+            <a:avLst/>
+          </a:prstGeom>
+          <a:noFill/>
+        </p:spPr>
+        <p:txBody>
+          <a:bodyPr wrap="square" rtlCol="0">
+            <a:spAutoFit/>
+          </a:bodyPr>
+          <a:lstStyle/>
+          <a:p>
+            <a:r>
+              <a:rPr kumimoji="1" lang="zh-CN" altLang="en-US" dirty="0"/>
+              <a:t>    </a:t>
+            </a:r>
+            <a:endParaRPr kumimoji="1" lang="en-US" altLang="zh-CN" dirty="0"/>
+          </a:p>
+          <a:p>
+            <a:r>
+              <a:rPr kumimoji="1" lang="zh-CN" altLang="en-US" dirty="0"/>
+              <a:t>    对话不等于台词。台词是对话的子集。你需要继续在</a:t>
+            </a:r>
+            <a:r>
+              <a:rPr kumimoji="1" lang="en-US" altLang="zh-CN" dirty="0"/>
+              <a:t>Conversation</a:t>
+            </a:r>
+            <a:r>
+              <a:rPr kumimoji="1" lang="zh-CN" altLang="en-US" dirty="0"/>
+              <a:t>下添加许许多多的</a:t>
+            </a:r>
+            <a:r>
+              <a:rPr kumimoji="1" lang="en-US" altLang="zh-CN" dirty="0"/>
+              <a:t>Dialogues</a:t>
+            </a:r>
+            <a:r>
+              <a:rPr kumimoji="1" lang="zh-CN" altLang="en-US" dirty="0"/>
+              <a:t>。一个</a:t>
+            </a:r>
+            <a:r>
+              <a:rPr kumimoji="1" lang="en-US" altLang="zh-CN" dirty="0"/>
+              <a:t>Dialogue</a:t>
+            </a:r>
+            <a:r>
+              <a:rPr kumimoji="1" lang="zh-CN" altLang="en-US" dirty="0"/>
+              <a:t>，就是一句话。</a:t>
+            </a:r>
+            <a:endParaRPr kumimoji="1" lang="en-US" altLang="zh-CN" dirty="0"/>
+          </a:p>
+          <a:p>
+            <a:r>
+              <a:rPr kumimoji="1" lang="en-US" altLang="ja-JP" dirty="0"/>
+              <a:t>    </a:t>
+            </a:r>
+            <a:r>
+              <a:rPr kumimoji="1" lang="zh-CN" altLang="en-US" dirty="0"/>
+              <a:t>现在，选择</a:t>
+            </a:r>
+            <a:r>
+              <a:rPr kumimoji="1" lang="en-US" altLang="zh-CN" dirty="0"/>
+              <a:t>Conversation</a:t>
+            </a:r>
+            <a:r>
+              <a:rPr kumimoji="1" lang="zh-CN" altLang="en-US" dirty="0"/>
+              <a:t>项目，右键创建一个新的</a:t>
+            </a:r>
+            <a:r>
+              <a:rPr kumimoji="1" lang="en-US" altLang="zh-CN" dirty="0"/>
+              <a:t>Dialogue</a:t>
+            </a:r>
+            <a:r>
+              <a:rPr kumimoji="1" lang="zh-CN" altLang="en-US" dirty="0"/>
+              <a:t>。</a:t>
+            </a:r>
+            <a:endParaRPr kumimoji="1" lang="en-US" altLang="zh-CN" dirty="0"/>
+          </a:p>
+          <a:p>
+            <a:r>
+              <a:rPr kumimoji="1" lang="zh-CN" altLang="en-US" dirty="0"/>
+              <a:t>在这个</a:t>
+            </a:r>
+            <a:r>
+              <a:rPr kumimoji="1" lang="en-US" altLang="zh-CN" dirty="0"/>
+              <a:t>Dialogue</a:t>
+            </a:r>
+            <a:r>
+              <a:rPr kumimoji="1" lang="zh-CN" altLang="en-US" dirty="0"/>
+              <a:t>的检查</a:t>
+            </a:r>
+            <a:endParaRPr kumimoji="1" lang="en-US" altLang="zh-CN" dirty="0"/>
+          </a:p>
+          <a:p>
+            <a:r>
+              <a:rPr kumimoji="1" lang="zh-CN" altLang="en-US" dirty="0"/>
+              <a:t>器中，我们可以看到</a:t>
+            </a:r>
+            <a:endParaRPr kumimoji="1" lang="en-US" altLang="zh-CN" dirty="0"/>
+          </a:p>
+          <a:p>
+            <a:r>
+              <a:rPr kumimoji="1" lang="en-US" altLang="zh-CN" dirty="0" err="1"/>
+              <a:t>DialogueNode</a:t>
+            </a:r>
+            <a:r>
+              <a:rPr kumimoji="1" lang="zh-CN" altLang="en-US" dirty="0"/>
+              <a:t>脚本，和</a:t>
+            </a:r>
+            <a:endParaRPr kumimoji="1" lang="en-US" altLang="zh-CN" dirty="0"/>
+          </a:p>
+          <a:p>
+            <a:r>
+              <a:rPr kumimoji="1" lang="en-US" altLang="zh-CN" dirty="0" err="1"/>
+              <a:t>AudioSource</a:t>
+            </a:r>
+            <a:r>
+              <a:rPr kumimoji="1" lang="zh-CN" altLang="en-US" dirty="0"/>
+              <a:t>音频管理。</a:t>
+            </a:r>
+            <a:endParaRPr kumimoji="1" lang="en-US" altLang="zh-CN" dirty="0"/>
+          </a:p>
+          <a:p>
+            <a:r>
+              <a:rPr kumimoji="1" lang="zh-CN" altLang="en-US" dirty="0"/>
+              <a:t>忽视音频管理。</a:t>
+            </a:r>
+            <a:endParaRPr kumimoji="1" lang="en-US" altLang="zh-CN" dirty="0"/>
+          </a:p>
+          <a:p>
+            <a:r>
+              <a:rPr kumimoji="1" lang="en-US" altLang="zh-CN" dirty="0"/>
+              <a:t>    </a:t>
+            </a:r>
+            <a:r>
+              <a:rPr kumimoji="1" lang="zh-CN" altLang="en-US" dirty="0"/>
+              <a:t>关于台词内容，你可</a:t>
+            </a:r>
+            <a:endParaRPr kumimoji="1" lang="en-US" altLang="zh-CN" dirty="0"/>
+          </a:p>
+          <a:p>
+            <a:r>
+              <a:rPr kumimoji="1" lang="zh-CN" altLang="en-US" dirty="0"/>
+              <a:t>以使用</a:t>
+            </a:r>
+            <a:r>
+              <a:rPr lang="zh-CN" altLang="en-US" dirty="0"/>
+              <a:t>各种标签和样式</a:t>
+            </a:r>
+            <a:endParaRPr lang="en-US" altLang="zh-CN" dirty="0"/>
+          </a:p>
+          <a:p>
+            <a:r>
+              <a:rPr kumimoji="1" lang="zh-CN" altLang="en-US" dirty="0"/>
+              <a:t>来达到你想要的结果。</a:t>
+            </a:r>
+            <a:endParaRPr kumimoji="1" lang="en-US" altLang="zh-CN" dirty="0"/>
+          </a:p>
+          <a:p>
+            <a:r>
+              <a:rPr kumimoji="1" lang="zh-CN" altLang="en-US" dirty="0"/>
+              <a:t>我将会列举一些常见的</a:t>
+            </a:r>
+            <a:endParaRPr kumimoji="1" lang="en-US" altLang="zh-CN" dirty="0"/>
+          </a:p>
+          <a:p>
+            <a:r>
+              <a:rPr kumimoji="1" lang="zh-CN" altLang="en-US"/>
+              <a:t>标签。</a:t>
+            </a:r>
+            <a:endParaRPr kumimoji="1" lang="en-US" altLang="zh-CN" dirty="0"/>
+          </a:p>
+        </p:txBody>
+      </p:sp>
+      <p:pic>
+        <p:nvPicPr>
+          <p:cNvPr id="4" name="図 3">
+            <a:extLst>
+              <a:ext uri="{FF2B5EF4-FFF2-40B4-BE49-F238E27FC236}">
+                <a16:creationId xmlns:a16="http://schemas.microsoft.com/office/drawing/2014/main" id="{7973FD03-767A-4562-CEFC-E01626C26EBC}"/>
               </a:ext>
             </a:extLst>
           </p:cNvPr>
@@ -4954,8 +6416,8 @@
         </p:blipFill>
         <p:spPr>
           <a:xfrm>
-            <a:off x="146492" y="2646629"/>
-            <a:ext cx="8140982" cy="4284728"/>
+            <a:off x="2717077" y="3177540"/>
+            <a:ext cx="4140923" cy="6009897"/>
           </a:xfrm>
           <a:prstGeom prst="rect">
             <a:avLst/>
@@ -4964,10 +6426,10 @@
       </p:pic>
       <p:sp>
         <p:nvSpPr>
-          <p:cNvPr id="6" name="中かっこ 5">
+          <p:cNvPr id="5" name="正方形/長方形 4">
             <a:extLst>
               <a:ext uri="{FF2B5EF4-FFF2-40B4-BE49-F238E27FC236}">
-                <a16:creationId xmlns:a16="http://schemas.microsoft.com/office/drawing/2014/main" id="{AA694774-58E3-37DF-5596-C9231C0408FB}"/>
+                <a16:creationId xmlns:a16="http://schemas.microsoft.com/office/drawing/2014/main" id="{9D7844FA-ED71-8413-F39B-F504945C62A9}"/>
               </a:ext>
             </a:extLst>
           </p:cNvPr>
@@ -4976,29 +6438,27 @@
         </p:nvSpPr>
         <p:spPr>
           <a:xfrm>
-            <a:off x="1084042" y="2801074"/>
-            <a:ext cx="547988" cy="115747"/>
-          </a:xfrm>
-          <a:prstGeom prst="bracePair">
+            <a:off x="3166110" y="4953000"/>
+            <a:ext cx="1093470" cy="289560"/>
+          </a:xfrm>
+          <a:prstGeom prst="rect">
             <a:avLst/>
           </a:prstGeom>
-          <a:ln>
-            <a:headEnd type="arrow" w="med" len="med"/>
-            <a:tailEnd type="arrow" w="med" len="med"/>
-          </a:ln>
         </p:spPr>
         <p:style>
           <a:lnRef idx="2">
-            <a:schemeClr val="accent6"/>
+            <a:schemeClr val="accent1">
+              <a:shade val="15000"/>
+            </a:schemeClr>
           </a:lnRef>
-          <a:fillRef idx="0">
-            <a:schemeClr val="accent6"/>
+          <a:fillRef idx="1">
+            <a:schemeClr val="accent1"/>
           </a:fillRef>
-          <a:effectRef idx="1">
-            <a:schemeClr val="accent6"/>
+          <a:effectRef idx="0">
+            <a:schemeClr val="accent1"/>
           </a:effectRef>
           <a:fontRef idx="minor">
-            <a:schemeClr val="tx1"/>
+            <a:schemeClr val="lt1"/>
           </a:fontRef>
         </p:style>
         <p:txBody>
@@ -5006,14 +6466,215 @@
           <a:lstStyle/>
           <a:p>
             <a:pPr algn="ctr"/>
-            <a:endParaRPr kumimoji="1" lang="ja-JP" altLang="en-US"/>
+            <a:r>
+              <a:rPr kumimoji="1" lang="zh-CN" altLang="en-US" sz="1100" dirty="0"/>
+              <a:t>对方的名字</a:t>
+            </a:r>
+            <a:endParaRPr kumimoji="1" lang="ja-JP" altLang="en-US" sz="1100" dirty="0"/>
+          </a:p>
+        </p:txBody>
+      </p:sp>
+      <p:sp>
+        <p:nvSpPr>
+          <p:cNvPr id="7" name="正方形/長方形 6">
+            <a:extLst>
+              <a:ext uri="{FF2B5EF4-FFF2-40B4-BE49-F238E27FC236}">
+                <a16:creationId xmlns:a16="http://schemas.microsoft.com/office/drawing/2014/main" id="{BB8BD858-0B7E-C63A-01D6-B5B8E6C573E1}"/>
+              </a:ext>
+            </a:extLst>
+          </p:cNvPr>
+          <p:cNvSpPr/>
+          <p:nvPr/>
+        </p:nvSpPr>
+        <p:spPr>
+          <a:xfrm>
+            <a:off x="3591198" y="5269588"/>
+            <a:ext cx="1196340" cy="289560"/>
+          </a:xfrm>
+          <a:prstGeom prst="rect">
+            <a:avLst/>
+          </a:prstGeom>
+        </p:spPr>
+        <p:style>
+          <a:lnRef idx="2">
+            <a:schemeClr val="accent1">
+              <a:shade val="15000"/>
+            </a:schemeClr>
+          </a:lnRef>
+          <a:fillRef idx="1">
+            <a:schemeClr val="accent1"/>
+          </a:fillRef>
+          <a:effectRef idx="0">
+            <a:schemeClr val="accent1"/>
+          </a:effectRef>
+          <a:fontRef idx="minor">
+            <a:schemeClr val="lt1"/>
+          </a:fontRef>
+        </p:style>
+        <p:txBody>
+          <a:bodyPr rtlCol="0" anchor="ctr"/>
+          <a:lstStyle/>
+          <a:p>
+            <a:pPr algn="ctr"/>
+            <a:r>
+              <a:rPr kumimoji="1" lang="zh-CN" altLang="en-US" sz="1100" dirty="0"/>
+              <a:t>讲话人的名字</a:t>
+            </a:r>
+            <a:endParaRPr kumimoji="1" lang="ja-JP" altLang="en-US" sz="1100" dirty="0"/>
+          </a:p>
+        </p:txBody>
+      </p:sp>
+      <p:sp>
+        <p:nvSpPr>
+          <p:cNvPr id="8" name="正方形/長方形 7">
+            <a:extLst>
+              <a:ext uri="{FF2B5EF4-FFF2-40B4-BE49-F238E27FC236}">
+                <a16:creationId xmlns:a16="http://schemas.microsoft.com/office/drawing/2014/main" id="{7112CB2E-9153-3A7A-D8FE-DD9241A157F8}"/>
+              </a:ext>
+            </a:extLst>
+          </p:cNvPr>
+          <p:cNvSpPr/>
+          <p:nvPr/>
+        </p:nvSpPr>
+        <p:spPr>
+          <a:xfrm>
+            <a:off x="5173980" y="6039862"/>
+            <a:ext cx="1684020" cy="289560"/>
+          </a:xfrm>
+          <a:prstGeom prst="rect">
+            <a:avLst/>
+          </a:prstGeom>
+        </p:spPr>
+        <p:style>
+          <a:lnRef idx="2">
+            <a:schemeClr val="accent1">
+              <a:shade val="15000"/>
+            </a:schemeClr>
+          </a:lnRef>
+          <a:fillRef idx="1">
+            <a:schemeClr val="accent1"/>
+          </a:fillRef>
+          <a:effectRef idx="0">
+            <a:schemeClr val="accent1"/>
+          </a:effectRef>
+          <a:fontRef idx="minor">
+            <a:schemeClr val="lt1"/>
+          </a:fontRef>
+        </p:style>
+        <p:txBody>
+          <a:bodyPr rtlCol="0" anchor="ctr"/>
+          <a:lstStyle/>
+          <a:p>
+            <a:pPr algn="ctr"/>
+            <a:r>
+              <a:rPr kumimoji="1" lang="zh-CN" altLang="en-US" dirty="0"/>
+              <a:t>台词内容</a:t>
+            </a:r>
+            <a:endParaRPr kumimoji="1" lang="ja-JP" altLang="en-US" dirty="0"/>
           </a:p>
         </p:txBody>
       </p:sp>
     </p:spTree>
     <p:extLst>
       <p:ext uri="{BB962C8B-B14F-4D97-AF65-F5344CB8AC3E}">
-        <p14:creationId xmlns:p14="http://schemas.microsoft.com/office/powerpoint/2010/main" val="1858927895"/>
+        <p14:creationId xmlns:p14="http://schemas.microsoft.com/office/powerpoint/2010/main" val="4279955373"/>
+      </p:ext>
+    </p:extLst>
+  </p:cSld>
+  <p:clrMapOvr>
+    <a:masterClrMapping/>
+  </p:clrMapOvr>
+</p:sld>
+</file>
+
+<file path=ppt/slides/slide7.xml><?xml version="1.0" encoding="utf-8"?>
+<p:sld xmlns:a="http://schemas.openxmlformats.org/drawingml/2006/main" xmlns:r="http://schemas.openxmlformats.org/officeDocument/2006/relationships" xmlns:p="http://schemas.openxmlformats.org/presentationml/2006/main">
+  <p:cSld>
+    <p:spTree>
+      <p:nvGrpSpPr>
+        <p:cNvPr id="1" name=""/>
+        <p:cNvGrpSpPr/>
+        <p:nvPr/>
+      </p:nvGrpSpPr>
+      <p:grpSpPr>
+        <a:xfrm>
+          <a:off x="0" y="0"/>
+          <a:ext cx="0" cy="0"/>
+          <a:chOff x="0" y="0"/>
+          <a:chExt cx="0" cy="0"/>
+        </a:xfrm>
+      </p:grpSpPr>
+      <p:sp>
+        <p:nvSpPr>
+          <p:cNvPr id="6" name="テキスト ボックス 5">
+            <a:extLst>
+              <a:ext uri="{FF2B5EF4-FFF2-40B4-BE49-F238E27FC236}">
+                <a16:creationId xmlns:a16="http://schemas.microsoft.com/office/drawing/2014/main" id="{2A99C11F-F1BB-7D1E-1A6D-4404AC82AB1E}"/>
+              </a:ext>
+            </a:extLst>
+          </p:cNvPr>
+          <p:cNvSpPr txBox="1"/>
+          <p:nvPr/>
+        </p:nvSpPr>
+        <p:spPr>
+          <a:xfrm>
+            <a:off x="733425" y="112665"/>
+            <a:ext cx="5911215" cy="1200329"/>
+          </a:xfrm>
+          <a:prstGeom prst="rect">
+            <a:avLst/>
+          </a:prstGeom>
+          <a:noFill/>
+        </p:spPr>
+        <p:txBody>
+          <a:bodyPr wrap="square" rtlCol="0">
+            <a:spAutoFit/>
+          </a:bodyPr>
+          <a:lstStyle/>
+          <a:p>
+            <a:r>
+              <a:rPr kumimoji="1" lang="zh-CN" altLang="en-US" dirty="0"/>
+              <a:t>    </a:t>
+            </a:r>
+            <a:endParaRPr kumimoji="1" lang="en-US" altLang="zh-CN" dirty="0"/>
+          </a:p>
+          <a:p>
+            <a:r>
+              <a:rPr kumimoji="1" lang="zh-CN" altLang="en-US" dirty="0"/>
+              <a:t>    对话不等于台词。台词是对话的子集。你需要继续在</a:t>
+            </a:r>
+            <a:r>
+              <a:rPr kumimoji="1" lang="en-US" altLang="zh-CN" dirty="0"/>
+              <a:t>Conversation</a:t>
+            </a:r>
+            <a:r>
+              <a:rPr kumimoji="1" lang="zh-CN" altLang="en-US" dirty="0"/>
+              <a:t>下添加许许多多的</a:t>
+            </a:r>
+            <a:r>
+              <a:rPr kumimoji="1" lang="en-US" altLang="zh-CN" dirty="0"/>
+              <a:t>Dialogues</a:t>
+            </a:r>
+            <a:r>
+              <a:rPr kumimoji="1" lang="zh-CN" altLang="en-US" dirty="0"/>
+              <a:t>。一个</a:t>
+            </a:r>
+            <a:r>
+              <a:rPr kumimoji="1" lang="en-US" altLang="zh-CN" dirty="0"/>
+              <a:t>Dialogue</a:t>
+            </a:r>
+            <a:r>
+              <a:rPr kumimoji="1" lang="zh-CN" altLang="en-US" dirty="0"/>
+              <a:t>，就是一句话。</a:t>
+            </a:r>
+            <a:endParaRPr kumimoji="1" lang="en-US" altLang="zh-CN" dirty="0"/>
+          </a:p>
+        </p:txBody>
+      </p:sp>
+    </p:spTree>
+    <p:extLst>
+      <p:ext uri="{BB962C8B-B14F-4D97-AF65-F5344CB8AC3E}">
+        <p14:creationId xmlns:p14="http://schemas.microsoft.com/office/powerpoint/2010/main" val="3000367466"/>
       </p:ext>
     </p:extLst>
   </p:cSld>

--- a/Assets/如何使用VisualNovelEngine.pptx
+++ b/Assets/如何使用VisualNovelEngine.pptx
@@ -206,7 +206,7 @@
           <a:p>
             <a:fld id="{7F62DCB3-1A0C-4ACB-9CD7-5AF541F2CB32}" type="datetimeFigureOut">
               <a:rPr kumimoji="1" lang="ja-JP" altLang="en-US" smtClean="0"/>
-              <a:t>2024/7/9</a:t>
+              <a:t>2024/7/16</a:t>
             </a:fld>
             <a:endParaRPr kumimoji="1" lang="ja-JP" altLang="en-US"/>
           </a:p>
@@ -594,6 +594,90 @@
 </p:notes>
 </file>
 
+<file path=ppt/notesSlides/notesSlide2.xml><?xml version="1.0" encoding="utf-8"?>
+<p:notes xmlns:a="http://schemas.openxmlformats.org/drawingml/2006/main" xmlns:r="http://schemas.openxmlformats.org/officeDocument/2006/relationships" xmlns:p="http://schemas.openxmlformats.org/presentationml/2006/main">
+  <p:cSld>
+    <p:spTree>
+      <p:nvGrpSpPr>
+        <p:cNvPr id="1" name=""/>
+        <p:cNvGrpSpPr/>
+        <p:nvPr/>
+      </p:nvGrpSpPr>
+      <p:grpSpPr>
+        <a:xfrm>
+          <a:off x="0" y="0"/>
+          <a:ext cx="0" cy="0"/>
+          <a:chOff x="0" y="0"/>
+          <a:chExt cx="0" cy="0"/>
+        </a:xfrm>
+      </p:grpSpPr>
+      <p:sp>
+        <p:nvSpPr>
+          <p:cNvPr id="2" name="スライド イメージ プレースホルダー 1"/>
+          <p:cNvSpPr>
+            <a:spLocks noGrp="1" noRot="1" noChangeAspect="1"/>
+          </p:cNvSpPr>
+          <p:nvPr>
+            <p:ph type="sldImg"/>
+          </p:nvPr>
+        </p:nvSpPr>
+        <p:spPr/>
+      </p:sp>
+      <p:sp>
+        <p:nvSpPr>
+          <p:cNvPr id="3" name="ノート プレースホルダー 2"/>
+          <p:cNvSpPr>
+            <a:spLocks noGrp="1"/>
+          </p:cNvSpPr>
+          <p:nvPr>
+            <p:ph type="body" idx="1"/>
+          </p:nvPr>
+        </p:nvSpPr>
+        <p:spPr/>
+        <p:txBody>
+          <a:bodyPr/>
+          <a:lstStyle/>
+          <a:p>
+            <a:endParaRPr kumimoji="1" lang="ja-JP" altLang="en-US" dirty="0"/>
+          </a:p>
+        </p:txBody>
+      </p:sp>
+      <p:sp>
+        <p:nvSpPr>
+          <p:cNvPr id="4" name="スライド番号プレースホルダー 3"/>
+          <p:cNvSpPr>
+            <a:spLocks noGrp="1"/>
+          </p:cNvSpPr>
+          <p:nvPr>
+            <p:ph type="sldNum" sz="quarter" idx="5"/>
+          </p:nvPr>
+        </p:nvSpPr>
+        <p:spPr/>
+        <p:txBody>
+          <a:bodyPr/>
+          <a:lstStyle/>
+          <a:p>
+            <a:fld id="{F9361628-FC97-4DF1-B5E3-D88F756242CF}" type="slidenum">
+              <a:rPr kumimoji="1" lang="ja-JP" altLang="en-US" smtClean="0"/>
+              <a:t>6</a:t>
+            </a:fld>
+            <a:endParaRPr kumimoji="1" lang="ja-JP" altLang="en-US"/>
+          </a:p>
+        </p:txBody>
+      </p:sp>
+    </p:spTree>
+    <p:extLst>
+      <p:ext uri="{BB962C8B-B14F-4D97-AF65-F5344CB8AC3E}">
+        <p14:creationId xmlns:p14="http://schemas.microsoft.com/office/powerpoint/2010/main" val="1724621305"/>
+      </p:ext>
+    </p:extLst>
+  </p:cSld>
+  <p:clrMapOvr>
+    <a:masterClrMapping/>
+  </p:clrMapOvr>
+</p:notes>
+</file>
+
 <file path=ppt/slideLayouts/slideLayout1.xml><?xml version="1.0" encoding="utf-8"?>
 <p:sldLayout xmlns:a="http://schemas.openxmlformats.org/drawingml/2006/main" xmlns:r="http://schemas.openxmlformats.org/officeDocument/2006/relationships" xmlns:p="http://schemas.openxmlformats.org/presentationml/2006/main" showMasterSp="0" type="title" preserve="1">
   <p:cSld name="タイトル スライド">
@@ -763,7 +847,7 @@
           <a:p>
             <a:fld id="{0E167EEF-F27F-4AAE-94C8-F79ACA8891EE}" type="datetimeFigureOut">
               <a:rPr kumimoji="1" lang="ja-JP" altLang="en-US" smtClean="0"/>
-              <a:t>2024/7/9</a:t>
+              <a:t>2024/7/16</a:t>
             </a:fld>
             <a:endParaRPr kumimoji="1" lang="ja-JP" altLang="en-US"/>
           </a:p>
@@ -1125,7 +1209,7 @@
           <a:p>
             <a:fld id="{0E167EEF-F27F-4AAE-94C8-F79ACA8891EE}" type="datetimeFigureOut">
               <a:rPr kumimoji="1" lang="ja-JP" altLang="en-US" smtClean="0"/>
-              <a:t>2024/7/9</a:t>
+              <a:t>2024/7/16</a:t>
             </a:fld>
             <a:endParaRPr kumimoji="1" lang="ja-JP" altLang="en-US"/>
           </a:p>
@@ -1337,7 +1421,7 @@
           <a:p>
             <a:fld id="{0E167EEF-F27F-4AAE-94C8-F79ACA8891EE}" type="datetimeFigureOut">
               <a:rPr kumimoji="1" lang="ja-JP" altLang="en-US" smtClean="0"/>
-              <a:t>2024/7/9</a:t>
+              <a:t>2024/7/16</a:t>
             </a:fld>
             <a:endParaRPr kumimoji="1" lang="ja-JP" altLang="en-US"/>
           </a:p>
@@ -1539,7 +1623,7 @@
           <a:p>
             <a:fld id="{0E167EEF-F27F-4AAE-94C8-F79ACA8891EE}" type="datetimeFigureOut">
               <a:rPr kumimoji="1" lang="ja-JP" altLang="en-US" smtClean="0"/>
-              <a:t>2024/7/9</a:t>
+              <a:t>2024/7/16</a:t>
             </a:fld>
             <a:endParaRPr kumimoji="1" lang="ja-JP" altLang="en-US"/>
           </a:p>
@@ -1816,7 +1900,7 @@
           <a:p>
             <a:fld id="{0E167EEF-F27F-4AAE-94C8-F79ACA8891EE}" type="datetimeFigureOut">
               <a:rPr kumimoji="1" lang="ja-JP" altLang="en-US" smtClean="0"/>
-              <a:t>2024/7/9</a:t>
+              <a:t>2024/7/16</a:t>
             </a:fld>
             <a:endParaRPr kumimoji="1" lang="ja-JP" altLang="en-US"/>
           </a:p>
@@ -2330,7 +2414,7 @@
           <a:p>
             <a:fld id="{0E167EEF-F27F-4AAE-94C8-F79ACA8891EE}" type="datetimeFigureOut">
               <a:rPr kumimoji="1" lang="ja-JP" altLang="en-US" smtClean="0"/>
-              <a:t>2024/7/9</a:t>
+              <a:t>2024/7/16</a:t>
             </a:fld>
             <a:endParaRPr kumimoji="1" lang="ja-JP" altLang="en-US"/>
           </a:p>
@@ -2871,7 +2955,7 @@
           <a:p>
             <a:fld id="{0E167EEF-F27F-4AAE-94C8-F79ACA8891EE}" type="datetimeFigureOut">
               <a:rPr kumimoji="1" lang="ja-JP" altLang="en-US" smtClean="0"/>
-              <a:t>2024/7/9</a:t>
+              <a:t>2024/7/16</a:t>
             </a:fld>
             <a:endParaRPr kumimoji="1" lang="ja-JP" altLang="en-US"/>
           </a:p>
@@ -2989,7 +3073,7 @@
           <a:p>
             <a:fld id="{0E167EEF-F27F-4AAE-94C8-F79ACA8891EE}" type="datetimeFigureOut">
               <a:rPr kumimoji="1" lang="ja-JP" altLang="en-US" smtClean="0"/>
-              <a:t>2024/7/9</a:t>
+              <a:t>2024/7/16</a:t>
             </a:fld>
             <a:endParaRPr kumimoji="1" lang="ja-JP" altLang="en-US"/>
           </a:p>
@@ -3084,7 +3168,7 @@
           <a:p>
             <a:fld id="{0E167EEF-F27F-4AAE-94C8-F79ACA8891EE}" type="datetimeFigureOut">
               <a:rPr kumimoji="1" lang="ja-JP" altLang="en-US" smtClean="0"/>
-              <a:t>2024/7/9</a:t>
+              <a:t>2024/7/16</a:t>
             </a:fld>
             <a:endParaRPr kumimoji="1" lang="ja-JP" altLang="en-US"/>
           </a:p>
@@ -3464,7 +3548,7 @@
           <a:p>
             <a:fld id="{0E167EEF-F27F-4AAE-94C8-F79ACA8891EE}" type="datetimeFigureOut">
               <a:rPr kumimoji="1" lang="ja-JP" altLang="en-US" smtClean="0"/>
-              <a:t>2024/7/9</a:t>
+              <a:t>2024/7/16</a:t>
             </a:fld>
             <a:endParaRPr kumimoji="1" lang="ja-JP" altLang="en-US"/>
           </a:p>
@@ -3892,7 +3976,7 @@
           <a:p>
             <a:fld id="{0E167EEF-F27F-4AAE-94C8-F79ACA8891EE}" type="datetimeFigureOut">
               <a:rPr kumimoji="1" lang="ja-JP" altLang="en-US" smtClean="0"/>
-              <a:t>2024/7/9</a:t>
+              <a:t>2024/7/16</a:t>
             </a:fld>
             <a:endParaRPr kumimoji="1" lang="ja-JP" altLang="en-US"/>
           </a:p>
@@ -4240,7 +4324,7 @@
           <a:p>
             <a:fld id="{0E167EEF-F27F-4AAE-94C8-F79ACA8891EE}" type="datetimeFigureOut">
               <a:rPr kumimoji="1" lang="ja-JP" altLang="en-US" smtClean="0"/>
-              <a:t>2024/7/9</a:t>
+              <a:t>2024/7/16</a:t>
             </a:fld>
             <a:endParaRPr kumimoji="1" lang="ja-JP" altLang="en-US"/>
           </a:p>
@@ -6387,7 +6471,7 @@
           </a:p>
           <a:p>
             <a:r>
-              <a:rPr kumimoji="1" lang="zh-CN" altLang="en-US"/>
+              <a:rPr kumimoji="1" lang="zh-CN" altLang="en-US" dirty="0"/>
               <a:t>标签。</a:t>
             </a:r>
             <a:endParaRPr kumimoji="1" lang="en-US" altLang="zh-CN" dirty="0"/>
@@ -6408,16 +6492,15 @@
           </p:cNvPicPr>
           <p:nvPr/>
         </p:nvPicPr>
-        <p:blipFill>
-          <a:blip r:embed="rId2"/>
-          <a:stretch>
-            <a:fillRect/>
-          </a:stretch>
+        <p:blipFill rotWithShape="1">
+          <a:blip r:embed="rId3"/>
+          <a:srcRect b="28236"/>
+          <a:stretch/>
         </p:blipFill>
         <p:spPr>
           <a:xfrm>
-            <a:off x="2717077" y="3177540"/>
-            <a:ext cx="4140923" cy="6009897"/>
+            <a:off x="2717077" y="3177541"/>
+            <a:ext cx="4140923" cy="4312920"/>
           </a:xfrm>
           <a:prstGeom prst="rect">
             <a:avLst/>
@@ -6571,6 +6654,203 @@
               <a:t>台词内容</a:t>
             </a:r>
             <a:endParaRPr kumimoji="1" lang="ja-JP" altLang="en-US" dirty="0"/>
+          </a:p>
+        </p:txBody>
+      </p:sp>
+      <p:sp>
+        <p:nvSpPr>
+          <p:cNvPr id="9" name="テキスト ボックス 8">
+            <a:extLst>
+              <a:ext uri="{FF2B5EF4-FFF2-40B4-BE49-F238E27FC236}">
+                <a16:creationId xmlns:a16="http://schemas.microsoft.com/office/drawing/2014/main" id="{BEC9E41A-9F5E-A8EC-1E80-176AB38C994A}"/>
+              </a:ext>
+            </a:extLst>
+          </p:cNvPr>
+          <p:cNvSpPr txBox="1"/>
+          <p:nvPr/>
+        </p:nvSpPr>
+        <p:spPr>
+          <a:xfrm>
+            <a:off x="434477" y="7750255"/>
+            <a:ext cx="6255746" cy="1815882"/>
+          </a:xfrm>
+          <a:prstGeom prst="rect">
+            <a:avLst/>
+          </a:prstGeom>
+          <a:noFill/>
+        </p:spPr>
+        <p:txBody>
+          <a:bodyPr wrap="square">
+            <a:spAutoFit/>
+          </a:bodyPr>
+          <a:lstStyle/>
+          <a:p>
+            <a:pPr marL="285750" indent="-285750">
+              <a:buFont typeface="Arial" panose="020B0604020202020204" pitchFamily="34" charset="0"/>
+              <a:buChar char="•"/>
+            </a:pPr>
+            <a:r>
+              <a:rPr lang="en-US" altLang="ja-JP" sz="1400" dirty="0"/>
+              <a:t>&lt;b&gt;&lt;</a:t>
+            </a:r>
+            <a:r>
+              <a:rPr lang="en-US" altLang="ja-JP" sz="1400" dirty="0" err="1"/>
+              <a:t>i</a:t>
+            </a:r>
+            <a:r>
+              <a:rPr lang="en-US" altLang="ja-JP" sz="1400" dirty="0"/>
+              <a:t>&gt;</a:t>
+            </a:r>
+            <a:r>
+              <a:rPr lang="ja-JP" altLang="en-US" sz="1400" dirty="0"/>
+              <a:t>粗体斜体文本</a:t>
+            </a:r>
+            <a:r>
+              <a:rPr lang="en-US" altLang="ja-JP" sz="1400" dirty="0"/>
+              <a:t>&lt;/</a:t>
+            </a:r>
+            <a:r>
+              <a:rPr lang="en-US" altLang="ja-JP" sz="1400" dirty="0" err="1"/>
+              <a:t>i</a:t>
+            </a:r>
+            <a:r>
+              <a:rPr lang="en-US" altLang="ja-JP" sz="1400" dirty="0"/>
+              <a:t>&gt;&lt;/b&gt;</a:t>
+            </a:r>
+          </a:p>
+          <a:p>
+            <a:pPr marL="285750" indent="-285750">
+              <a:buFont typeface="Arial" panose="020B0604020202020204" pitchFamily="34" charset="0"/>
+              <a:buChar char="•"/>
+            </a:pPr>
+            <a:r>
+              <a:rPr lang="en-US" altLang="ja-JP" sz="1400" dirty="0"/>
+              <a:t> &lt;strong&gt;&lt;</a:t>
+            </a:r>
+            <a:r>
+              <a:rPr lang="en-US" altLang="ja-JP" sz="1400" dirty="0" err="1"/>
+              <a:t>em</a:t>
+            </a:r>
+            <a:r>
+              <a:rPr lang="en-US" altLang="ja-JP" sz="1400" dirty="0"/>
+              <a:t>&gt;</a:t>
+            </a:r>
+            <a:r>
+              <a:rPr lang="ja-JP" altLang="en-US" sz="1400" dirty="0"/>
+              <a:t>加重斜体文本</a:t>
+            </a:r>
+            <a:r>
+              <a:rPr lang="en-US" altLang="ja-JP" sz="1400" dirty="0"/>
+              <a:t>&lt;/</a:t>
+            </a:r>
+            <a:r>
+              <a:rPr lang="en-US" altLang="ja-JP" sz="1400" dirty="0" err="1"/>
+              <a:t>em</a:t>
+            </a:r>
+            <a:r>
+              <a:rPr lang="en-US" altLang="ja-JP" sz="1400" dirty="0"/>
+              <a:t>&gt;&lt;/strong&gt;</a:t>
+            </a:r>
+          </a:p>
+          <a:p>
+            <a:pPr marL="285750" indent="-285750">
+              <a:buFont typeface="Arial" panose="020B0604020202020204" pitchFamily="34" charset="0"/>
+              <a:buChar char="•"/>
+            </a:pPr>
+            <a:r>
+              <a:rPr lang="en-US" altLang="ja-JP" sz="1400" dirty="0"/>
+              <a:t>&lt;span style="color: red;"&gt;</a:t>
+            </a:r>
+            <a:r>
+              <a:rPr lang="ja-JP" altLang="en-US" sz="1400" dirty="0"/>
+              <a:t>红色文本</a:t>
+            </a:r>
+            <a:r>
+              <a:rPr lang="en-US" altLang="ja-JP" sz="1400" dirty="0"/>
+              <a:t>&lt;/span&gt;</a:t>
+            </a:r>
+          </a:p>
+          <a:p>
+            <a:pPr marL="285750" indent="-285750">
+              <a:buFont typeface="Arial" panose="020B0604020202020204" pitchFamily="34" charset="0"/>
+              <a:buChar char="•"/>
+            </a:pPr>
+            <a:r>
+              <a:rPr lang="en-US" altLang="ja-JP" sz="1400" dirty="0"/>
+              <a:t>&lt;span style="font-size: 20px;"&gt;</a:t>
+            </a:r>
+            <a:r>
+              <a:rPr lang="ja-JP" altLang="en-US" sz="1400" dirty="0"/>
+              <a:t>大字体文本</a:t>
+            </a:r>
+            <a:r>
+              <a:rPr lang="en-US" altLang="ja-JP" sz="1400" dirty="0"/>
+              <a:t>&lt;/span&gt;</a:t>
+            </a:r>
+          </a:p>
+          <a:p>
+            <a:pPr marL="285750" indent="-285750">
+              <a:buFont typeface="Arial" panose="020B0604020202020204" pitchFamily="34" charset="0"/>
+              <a:buChar char="•"/>
+            </a:pPr>
+            <a:r>
+              <a:rPr lang="en-US" altLang="ja-JP" sz="1400" dirty="0"/>
+              <a:t> &lt;span style="font-family: Arial;"&gt;Arial</a:t>
+            </a:r>
+            <a:r>
+              <a:rPr lang="ja-JP" altLang="en-US" sz="1400" dirty="0"/>
+              <a:t>字体文本</a:t>
+            </a:r>
+            <a:r>
+              <a:rPr lang="en-US" altLang="ja-JP" sz="1400" dirty="0"/>
+              <a:t>&lt;/span&gt;</a:t>
+            </a:r>
+          </a:p>
+          <a:p>
+            <a:pPr marL="285750" indent="-285750">
+              <a:buFont typeface="Arial" panose="020B0604020202020204" pitchFamily="34" charset="0"/>
+              <a:buChar char="•"/>
+            </a:pPr>
+            <a:r>
+              <a:rPr lang="en-US" altLang="ja-JP" sz="1400" dirty="0"/>
+              <a:t>&lt;span style="text-decoration: underline;"&gt;</a:t>
+            </a:r>
+            <a:r>
+              <a:rPr lang="ja-JP" altLang="en-US" sz="1400" dirty="0"/>
+              <a:t>下划线文本</a:t>
+            </a:r>
+            <a:r>
+              <a:rPr lang="en-US" altLang="ja-JP" sz="1400" dirty="0"/>
+              <a:t>&lt;/span&gt;</a:t>
+            </a:r>
+          </a:p>
+          <a:p>
+            <a:pPr marL="285750" indent="-285750">
+              <a:buFont typeface="Arial" panose="020B0604020202020204" pitchFamily="34" charset="0"/>
+              <a:buChar char="•"/>
+            </a:pPr>
+            <a:r>
+              <a:rPr lang="en-US" altLang="ja-JP" sz="1400" dirty="0"/>
+              <a:t>&lt;span style="text-decoration: line-through;"&gt;</a:t>
+            </a:r>
+            <a:r>
+              <a:rPr lang="ja-JP" altLang="en-US" sz="1400" dirty="0"/>
+              <a:t>删除线文本</a:t>
+            </a:r>
+            <a:r>
+              <a:rPr lang="en-US" altLang="ja-JP" sz="1400" dirty="0"/>
+              <a:t>&lt;/span&gt;</a:t>
+            </a:r>
+          </a:p>
+          <a:p>
+            <a:pPr marL="285750" indent="-285750">
+              <a:buFont typeface="Arial" panose="020B0604020202020204" pitchFamily="34" charset="0"/>
+              <a:buChar char="•"/>
+            </a:pPr>
+            <a:r>
+              <a:rPr lang="en-US" altLang="ja-JP" sz="1400" dirty="0"/>
+              <a:t>……</a:t>
+            </a:r>
           </a:p>
         </p:txBody>
       </p:sp>
